--- a/scRNA-seq_pipeline_hg38/Single-cell_RNA-seq_pipeline.pptx
+++ b/scRNA-seq_pipeline_hg38/Single-cell_RNA-seq_pipeline.pptx
@@ -250,7 +250,7 @@
           <a:p>
             <a:fld id="{2CB3F085-3EC1-49D2-A102-1A672CFF7437}" type="datetimeFigureOut">
               <a:rPr lang="zh-CN" altLang="en-US" smtClean="0"/>
-              <a:t>2019/5/12</a:t>
+              <a:t>2019/7/16</a:t>
             </a:fld>
             <a:endParaRPr lang="zh-CN" altLang="en-US"/>
           </a:p>
@@ -420,7 +420,7 @@
           <a:p>
             <a:fld id="{2CB3F085-3EC1-49D2-A102-1A672CFF7437}" type="datetimeFigureOut">
               <a:rPr lang="zh-CN" altLang="en-US" smtClean="0"/>
-              <a:t>2019/5/12</a:t>
+              <a:t>2019/7/16</a:t>
             </a:fld>
             <a:endParaRPr lang="zh-CN" altLang="en-US"/>
           </a:p>
@@ -600,7 +600,7 @@
           <a:p>
             <a:fld id="{2CB3F085-3EC1-49D2-A102-1A672CFF7437}" type="datetimeFigureOut">
               <a:rPr lang="zh-CN" altLang="en-US" smtClean="0"/>
-              <a:t>2019/5/12</a:t>
+              <a:t>2019/7/16</a:t>
             </a:fld>
             <a:endParaRPr lang="zh-CN" altLang="en-US"/>
           </a:p>
@@ -770,7 +770,7 @@
           <a:p>
             <a:fld id="{2CB3F085-3EC1-49D2-A102-1A672CFF7437}" type="datetimeFigureOut">
               <a:rPr lang="zh-CN" altLang="en-US" smtClean="0"/>
-              <a:t>2019/5/12</a:t>
+              <a:t>2019/7/16</a:t>
             </a:fld>
             <a:endParaRPr lang="zh-CN" altLang="en-US"/>
           </a:p>
@@ -1016,7 +1016,7 @@
           <a:p>
             <a:fld id="{2CB3F085-3EC1-49D2-A102-1A672CFF7437}" type="datetimeFigureOut">
               <a:rPr lang="zh-CN" altLang="en-US" smtClean="0"/>
-              <a:t>2019/5/12</a:t>
+              <a:t>2019/7/16</a:t>
             </a:fld>
             <a:endParaRPr lang="zh-CN" altLang="en-US"/>
           </a:p>
@@ -1248,7 +1248,7 @@
           <a:p>
             <a:fld id="{2CB3F085-3EC1-49D2-A102-1A672CFF7437}" type="datetimeFigureOut">
               <a:rPr lang="zh-CN" altLang="en-US" smtClean="0"/>
-              <a:t>2019/5/12</a:t>
+              <a:t>2019/7/16</a:t>
             </a:fld>
             <a:endParaRPr lang="zh-CN" altLang="en-US"/>
           </a:p>
@@ -1615,7 +1615,7 @@
           <a:p>
             <a:fld id="{2CB3F085-3EC1-49D2-A102-1A672CFF7437}" type="datetimeFigureOut">
               <a:rPr lang="zh-CN" altLang="en-US" smtClean="0"/>
-              <a:t>2019/5/12</a:t>
+              <a:t>2019/7/16</a:t>
             </a:fld>
             <a:endParaRPr lang="zh-CN" altLang="en-US"/>
           </a:p>
@@ -1733,7 +1733,7 @@
           <a:p>
             <a:fld id="{2CB3F085-3EC1-49D2-A102-1A672CFF7437}" type="datetimeFigureOut">
               <a:rPr lang="zh-CN" altLang="en-US" smtClean="0"/>
-              <a:t>2019/5/12</a:t>
+              <a:t>2019/7/16</a:t>
             </a:fld>
             <a:endParaRPr lang="zh-CN" altLang="en-US"/>
           </a:p>
@@ -1828,7 +1828,7 @@
           <a:p>
             <a:fld id="{2CB3F085-3EC1-49D2-A102-1A672CFF7437}" type="datetimeFigureOut">
               <a:rPr lang="zh-CN" altLang="en-US" smtClean="0"/>
-              <a:t>2019/5/12</a:t>
+              <a:t>2019/7/16</a:t>
             </a:fld>
             <a:endParaRPr lang="zh-CN" altLang="en-US"/>
           </a:p>
@@ -2105,7 +2105,7 @@
           <a:p>
             <a:fld id="{2CB3F085-3EC1-49D2-A102-1A672CFF7437}" type="datetimeFigureOut">
               <a:rPr lang="zh-CN" altLang="en-US" smtClean="0"/>
-              <a:t>2019/5/12</a:t>
+              <a:t>2019/7/16</a:t>
             </a:fld>
             <a:endParaRPr lang="zh-CN" altLang="en-US"/>
           </a:p>
@@ -2358,7 +2358,7 @@
           <a:p>
             <a:fld id="{2CB3F085-3EC1-49D2-A102-1A672CFF7437}" type="datetimeFigureOut">
               <a:rPr lang="zh-CN" altLang="en-US" smtClean="0"/>
-              <a:t>2019/5/12</a:t>
+              <a:t>2019/7/16</a:t>
             </a:fld>
             <a:endParaRPr lang="zh-CN" altLang="en-US"/>
           </a:p>
@@ -2571,7 +2571,7 @@
           <a:p>
             <a:fld id="{2CB3F085-3EC1-49D2-A102-1A672CFF7437}" type="datetimeFigureOut">
               <a:rPr lang="zh-CN" altLang="en-US" smtClean="0"/>
-              <a:t>2019/5/12</a:t>
+              <a:t>2019/7/16</a:t>
             </a:fld>
             <a:endParaRPr lang="zh-CN" altLang="en-US"/>
           </a:p>
@@ -2976,53 +2976,6 @@
           <a:chExt cx="0" cy="0"/>
         </a:xfrm>
       </p:grpSpPr>
-      <p:sp>
-        <p:nvSpPr>
-          <p:cNvPr id="26" name="标题 25">
-            <a:extLst>
-              <a:ext uri="{FF2B5EF4-FFF2-40B4-BE49-F238E27FC236}">
-                <a16:creationId xmlns:a16="http://schemas.microsoft.com/office/drawing/2014/main" id="{2BE12841-8815-4537-851A-01B98BE6FDF7}"/>
-              </a:ext>
-            </a:extLst>
-          </p:cNvPr>
-          <p:cNvSpPr>
-            <a:spLocks noGrp="1"/>
-          </p:cNvSpPr>
-          <p:nvPr>
-            <p:ph type="title"/>
-          </p:nvPr>
-        </p:nvSpPr>
-        <p:spPr/>
-        <p:txBody>
-          <a:bodyPr>
-            <a:normAutofit/>
-          </a:bodyPr>
-          <a:lstStyle/>
-          <a:p>
-            <a:r>
-              <a:rPr lang="en-US" altLang="zh-CN" sz="3200" dirty="0" smtClean="0">
-                <a:solidFill>
-                  <a:srgbClr val="FF0000"/>
-                </a:solidFill>
-                <a:latin typeface="Times New Roman" panose="02020603050405020304" pitchFamily="18" charset="0"/>
-                <a:cs typeface="Times New Roman" panose="02020603050405020304" pitchFamily="18" charset="0"/>
-              </a:rPr>
-              <a:t>New</a:t>
-            </a:r>
-            <a:r>
-              <a:rPr lang="zh-CN" altLang="en-US" sz="3200" dirty="0" smtClean="0">
-                <a:latin typeface="Times New Roman" panose="02020603050405020304" pitchFamily="18" charset="0"/>
-                <a:cs typeface="Times New Roman" panose="02020603050405020304" pitchFamily="18" charset="0"/>
-              </a:rPr>
-              <a:t>流程</a:t>
-            </a:r>
-            <a:endParaRPr lang="zh-CN" altLang="en-US" sz="3200" dirty="0">
-              <a:latin typeface="Times New Roman" panose="02020603050405020304" pitchFamily="18" charset="0"/>
-              <a:cs typeface="Times New Roman" panose="02020603050405020304" pitchFamily="18" charset="0"/>
-            </a:endParaRPr>
-          </a:p>
-        </p:txBody>
-      </p:sp>
       <p:grpSp>
         <p:nvGrpSpPr>
           <p:cNvPr id="37" name="组合 36"/>
@@ -3031,10 +2984,10 @@
         </p:nvGrpSpPr>
         <p:grpSpPr>
           <a:xfrm>
-            <a:off x="1567418" y="1912507"/>
-            <a:ext cx="8741778" cy="3049126"/>
-            <a:chOff x="2034742" y="1685042"/>
-            <a:chExt cx="8741778" cy="3049126"/>
+            <a:off x="1670344" y="1477501"/>
+            <a:ext cx="9269167" cy="3049126"/>
+            <a:chOff x="1507353" y="1685042"/>
+            <a:chExt cx="9269167" cy="3049126"/>
           </a:xfrm>
         </p:grpSpPr>
         <p:grpSp>
@@ -3223,12 +3176,12 @@
                     <a:t>UMItools</a:t>
                   </a:r>
                   <a:r>
-                    <a:rPr lang="zh-CN" altLang="en-US" dirty="0" smtClean="0">
+                    <a:rPr lang="en-US" altLang="zh-CN" dirty="0" smtClean="0">
                       <a:latin typeface="Times New Roman" panose="02020603050405020304" pitchFamily="18" charset="0"/>
                       <a:cs typeface="Times New Roman" panose="02020603050405020304" pitchFamily="18" charset="0"/>
                       <a:sym typeface="Arial" panose="020B0604020202020204" pitchFamily="34" charset="0"/>
                     </a:rPr>
-                    <a:t>将</a:t>
+                    <a:t>: </a:t>
                   </a:r>
                   <a:r>
                     <a:rPr lang="en-US" altLang="zh-CN" dirty="0" err="1" smtClean="0">
@@ -3239,20 +3192,12 @@
                     <a:t>Barcode+UMI</a:t>
                   </a:r>
                   <a:r>
-                    <a:rPr lang="zh-CN" altLang="en-US" dirty="0" smtClean="0">
-                      <a:latin typeface="Times New Roman" panose="02020603050405020304" pitchFamily="18" charset="0"/>
-                      <a:cs typeface="Times New Roman" panose="02020603050405020304" pitchFamily="18" charset="0"/>
-                      <a:sym typeface="Arial" panose="020B0604020202020204" pitchFamily="34" charset="0"/>
-                    </a:rPr>
-                    <a:t>直接添加到</a:t>
-                  </a:r>
-                  <a:r>
                     <a:rPr lang="en-US" altLang="zh-CN" dirty="0" smtClean="0">
                       <a:latin typeface="Times New Roman" panose="02020603050405020304" pitchFamily="18" charset="0"/>
                       <a:cs typeface="Times New Roman" panose="02020603050405020304" pitchFamily="18" charset="0"/>
                       <a:sym typeface="Arial" panose="020B0604020202020204" pitchFamily="34" charset="0"/>
                     </a:rPr>
-                    <a:t>R1</a:t>
+                    <a:t> extraction</a:t>
                   </a:r>
                   <a:endParaRPr lang="en-US" altLang="zh-CN" dirty="0">
                     <a:latin typeface="Times New Roman" panose="02020603050405020304" pitchFamily="18" charset="0"/>
@@ -3400,12 +3345,12 @@
                 </a:lstStyle>
                 <a:p>
                   <a:r>
-                    <a:rPr lang="zh-CN" altLang="en-US" dirty="0" smtClean="0">
+                    <a:rPr lang="en-US" altLang="zh-CN" dirty="0" smtClean="0">
                       <a:latin typeface="Times New Roman" panose="02020603050405020304" pitchFamily="18" charset="0"/>
                       <a:cs typeface="Times New Roman" panose="02020603050405020304" pitchFamily="18" charset="0"/>
                       <a:sym typeface="Arial" panose="020B0604020202020204" pitchFamily="34" charset="0"/>
                     </a:rPr>
-                    <a:t>对数据进行修剪和质控</a:t>
+                    <a:t>QC</a:t>
                   </a:r>
                   <a:endParaRPr lang="zh-CN" altLang="en-US" dirty="0">
                     <a:latin typeface="Times New Roman" panose="02020603050405020304" pitchFamily="18" charset="0"/>
@@ -3771,24 +3716,13 @@
                       <a:cs typeface="Times New Roman" panose="02020603050405020304" pitchFamily="18" charset="0"/>
                       <a:sym typeface="Arial" panose="020B0604020202020204" pitchFamily="34" charset="0"/>
                     </a:rPr>
-                    <a:t>STAR</a:t>
+                    <a:t>STAR: mapping</a:t>
                   </a:r>
-                  <a:r>
-                    <a:rPr lang="zh-CN" altLang="en-US" dirty="0" smtClean="0">
-                      <a:latin typeface="Times New Roman" panose="02020603050405020304" pitchFamily="18" charset="0"/>
-                      <a:cs typeface="Times New Roman" panose="02020603050405020304" pitchFamily="18" charset="0"/>
-                      <a:sym typeface="Arial" panose="020B0604020202020204" pitchFamily="34" charset="0"/>
-                    </a:rPr>
-                    <a:t>比</a:t>
-                  </a:r>
-                  <a:r>
-                    <a:rPr lang="zh-CN" altLang="en-US" dirty="0">
-                      <a:latin typeface="Times New Roman" panose="02020603050405020304" pitchFamily="18" charset="0"/>
-                      <a:cs typeface="Times New Roman" panose="02020603050405020304" pitchFamily="18" charset="0"/>
-                      <a:sym typeface="Arial" panose="020B0604020202020204" pitchFamily="34" charset="0"/>
-                    </a:rPr>
-                    <a:t>对</a:t>
-                  </a:r>
+                  <a:endParaRPr lang="zh-CN" altLang="en-US" dirty="0">
+                    <a:latin typeface="Times New Roman" panose="02020603050405020304" pitchFamily="18" charset="0"/>
+                    <a:cs typeface="Times New Roman" panose="02020603050405020304" pitchFamily="18" charset="0"/>
+                    <a:sym typeface="Arial" panose="020B0604020202020204" pitchFamily="34" charset="0"/>
+                  </a:endParaRPr>
                 </a:p>
               </p:txBody>
             </p:sp>
@@ -3965,6 +3899,18 @@
                     <a:t>featurecounts</a:t>
                   </a:r>
                   <a:r>
+                    <a:rPr lang="en-US" altLang="zh-CN" sz="1600" dirty="0" smtClean="0">
+                      <a:solidFill>
+                        <a:schemeClr val="tx1"/>
+                      </a:solidFill>
+                      <a:latin typeface="Times New Roman" panose="02020603050405020304" pitchFamily="18" charset="0"/>
+                      <a:ea typeface="微软雅黑" panose="020B0503020204020204" pitchFamily="34" charset="-122"/>
+                      <a:cs typeface="Times New Roman" panose="02020603050405020304" pitchFamily="18" charset="0"/>
+                      <a:sym typeface="Arial" panose="020B0604020202020204" pitchFamily="34" charset="0"/>
+                    </a:rPr>
+                    <a:t>:</a:t>
+                  </a:r>
+                  <a:r>
                     <a:rPr lang="zh-CN" altLang="en-US" sz="1600" dirty="0" smtClean="0">
                       <a:solidFill>
                         <a:schemeClr val="tx1"/>
@@ -3974,7 +3920,19 @@
                       <a:cs typeface="Times New Roman" panose="02020603050405020304" pitchFamily="18" charset="0"/>
                       <a:sym typeface="Arial" panose="020B0604020202020204" pitchFamily="34" charset="0"/>
                     </a:rPr>
-                    <a:t>数转录本</a:t>
+                    <a:t> </a:t>
+                  </a:r>
+                  <a:r>
+                    <a:rPr lang="en-US" altLang="zh-CN" sz="1600" dirty="0" smtClean="0">
+                      <a:solidFill>
+                        <a:schemeClr val="tx1"/>
+                      </a:solidFill>
+                      <a:latin typeface="Times New Roman" panose="02020603050405020304" pitchFamily="18" charset="0"/>
+                      <a:ea typeface="微软雅黑" panose="020B0503020204020204" pitchFamily="34" charset="-122"/>
+                      <a:cs typeface="Times New Roman" panose="02020603050405020304" pitchFamily="18" charset="0"/>
+                      <a:sym typeface="Arial" panose="020B0604020202020204" pitchFamily="34" charset="0"/>
+                    </a:rPr>
+                    <a:t>quantification</a:t>
                   </a:r>
                   <a:endParaRPr lang="zh-CN" altLang="en-US" sz="1600" dirty="0">
                     <a:solidFill>
@@ -4137,7 +4095,7 @@
                     <a:t>UMItools</a:t>
                   </a:r>
                   <a:r>
-                    <a:rPr lang="zh-CN" altLang="en-US" sz="1600" dirty="0" smtClean="0">
+                    <a:rPr lang="en-US" altLang="zh-CN" sz="1600" dirty="0" smtClean="0">
                       <a:solidFill>
                         <a:schemeClr val="tx1"/>
                       </a:solidFill>
@@ -4146,7 +4104,31 @@
                       <a:cs typeface="Times New Roman" panose="02020603050405020304" pitchFamily="18" charset="0"/>
                       <a:sym typeface="Arial" panose="020B0604020202020204" pitchFamily="34" charset="0"/>
                     </a:rPr>
-                    <a:t>获取表达表</a:t>
+                    <a:t>: expression matrix </a:t>
+                  </a:r>
+                  <a:r>
+                    <a:rPr lang="en-US" altLang="zh-CN" sz="1600" dirty="0" err="1" smtClean="0">
+                      <a:solidFill>
+                        <a:schemeClr val="tx1"/>
+                      </a:solidFill>
+                      <a:latin typeface="Times New Roman" panose="02020603050405020304" pitchFamily="18" charset="0"/>
+                      <a:ea typeface="微软雅黑" panose="020B0503020204020204" pitchFamily="34" charset="-122"/>
+                      <a:cs typeface="Times New Roman" panose="02020603050405020304" pitchFamily="18" charset="0"/>
+                      <a:sym typeface="Arial" panose="020B0604020202020204" pitchFamily="34" charset="0"/>
+                    </a:rPr>
+                    <a:t>organizaion</a:t>
+                  </a:r>
+                  <a:r>
+                    <a:rPr lang="en-US" altLang="zh-CN" sz="1600" dirty="0" smtClean="0">
+                      <a:solidFill>
+                        <a:schemeClr val="tx1"/>
+                      </a:solidFill>
+                      <a:latin typeface="Times New Roman" panose="02020603050405020304" pitchFamily="18" charset="0"/>
+                      <a:ea typeface="微软雅黑" panose="020B0503020204020204" pitchFamily="34" charset="-122"/>
+                      <a:cs typeface="Times New Roman" panose="02020603050405020304" pitchFamily="18" charset="0"/>
+                      <a:sym typeface="Arial" panose="020B0604020202020204" pitchFamily="34" charset="0"/>
+                    </a:rPr>
+                    <a:t> </a:t>
                   </a:r>
                   <a:endParaRPr lang="zh-CN" altLang="en-US" sz="1600" dirty="0">
                     <a:solidFill>
@@ -4561,8 +4543,8 @@
           </p:nvSpPr>
           <p:spPr>
             <a:xfrm>
-              <a:off x="2034742" y="1685042"/>
-              <a:ext cx="1641796" cy="523220"/>
+              <a:off x="1507353" y="1685042"/>
+              <a:ext cx="2169185" cy="523220"/>
             </a:xfrm>
             <a:prstGeom prst="rect">
               <a:avLst/>
@@ -4598,7 +4580,18 @@
                   <a:cs typeface="Times New Roman" panose="02020603050405020304" pitchFamily="18" charset="0"/>
                   <a:sym typeface="+mn-lt"/>
                 </a:rPr>
-                <a:t>流程</a:t>
+                <a:t> </a:t>
+              </a:r>
+              <a:r>
+                <a:rPr lang="en-US" altLang="zh-CN" sz="2800" b="1" dirty="0" smtClean="0">
+                  <a:solidFill>
+                    <a:sysClr val="windowText" lastClr="000000"/>
+                  </a:solidFill>
+                  <a:latin typeface="Times New Roman" panose="02020603050405020304" pitchFamily="18" charset="0"/>
+                  <a:cs typeface="Times New Roman" panose="02020603050405020304" pitchFamily="18" charset="0"/>
+                  <a:sym typeface="+mn-lt"/>
+                </a:rPr>
+                <a:t>pipeline</a:t>
               </a:r>
               <a:endParaRPr lang="tr-TR" sz="2800" b="1" dirty="0">
                 <a:solidFill>
@@ -4620,7 +4613,7 @@
         </p:nvSpPr>
         <p:spPr>
           <a:xfrm>
-            <a:off x="3888830" y="1995713"/>
+            <a:off x="4519145" y="1560707"/>
             <a:ext cx="395983" cy="395983"/>
           </a:xfrm>
           <a:prstGeom prst="star5">
@@ -4671,7 +4664,7 @@
         </p:nvSpPr>
         <p:spPr>
           <a:xfrm>
-            <a:off x="3888830" y="3223536"/>
+            <a:off x="4519145" y="2788530"/>
             <a:ext cx="395983" cy="395983"/>
           </a:xfrm>
           <a:prstGeom prst="star5">
@@ -4728,8 +4721,8 @@
         </p:nvSpPr>
         <p:spPr>
           <a:xfrm>
-            <a:off x="1611439" y="5679564"/>
-            <a:ext cx="8969122" cy="523220"/>
+            <a:off x="3474534" y="5235680"/>
+            <a:ext cx="6466835" cy="523220"/>
           </a:xfrm>
           <a:prstGeom prst="rect">
             <a:avLst/>
@@ -4745,17 +4738,6 @@
           <a:lstStyle/>
           <a:p>
             <a:pPr algn="r"/>
-            <a:r>
-              <a:rPr lang="zh-CN" altLang="en-US" sz="2800" b="1" dirty="0" smtClean="0">
-                <a:solidFill>
-                  <a:srgbClr val="FF0000"/>
-                </a:solidFill>
-                <a:latin typeface="Times New Roman" panose="02020603050405020304" pitchFamily="18" charset="0"/>
-                <a:cs typeface="Times New Roman" panose="02020603050405020304" pitchFamily="18" charset="0"/>
-                <a:sym typeface="+mn-lt"/>
-              </a:rPr>
-              <a:t>以文库（包含多个细胞）为单位，</a:t>
-            </a:r>
             <a:r>
               <a:rPr lang="en-US" altLang="zh-CN" sz="2800" b="1" dirty="0" smtClean="0">
                 <a:solidFill>
@@ -4765,10 +4747,10 @@
                 <a:cs typeface="Times New Roman" panose="02020603050405020304" pitchFamily="18" charset="0"/>
                 <a:sym typeface="+mn-lt"/>
               </a:rPr>
-              <a:t>old</a:t>
-            </a:r>
-            <a:r>
-              <a:rPr lang="zh-CN" altLang="en-US" sz="2800" b="1" dirty="0" smtClean="0">
+              <a:t>Libraries based (including</a:t>
+            </a:r>
+            <a:r>
+              <a:rPr lang="en-US" altLang="zh-CN" sz="2800" b="1" dirty="0" smtClean="0">
                 <a:solidFill>
                   <a:srgbClr val="FF0000"/>
                 </a:solidFill>
@@ -4776,7 +4758,7 @@
                 <a:cs typeface="Times New Roman" panose="02020603050405020304" pitchFamily="18" charset="0"/>
                 <a:sym typeface="+mn-lt"/>
               </a:rPr>
-              <a:t>流程以细胞为单位</a:t>
+              <a:t> multiple cells)</a:t>
             </a:r>
             <a:endParaRPr lang="tr-TR" sz="2800" b="1" dirty="0">
               <a:solidFill>
@@ -4842,10 +4824,15 @@
             <p:ph type="title"/>
           </p:nvPr>
         </p:nvSpPr>
-        <p:spPr/>
+        <p:spPr>
+          <a:xfrm>
+            <a:off x="1867001" y="806344"/>
+            <a:ext cx="7764262" cy="489348"/>
+          </a:xfrm>
+        </p:spPr>
         <p:txBody>
           <a:bodyPr>
-            <a:normAutofit/>
+            <a:normAutofit fontScale="90000"/>
           </a:bodyPr>
           <a:lstStyle/>
           <a:p>
@@ -4864,7 +4851,14 @@
                 <a:latin typeface="Times New Roman" panose="02020603050405020304" pitchFamily="18" charset="0"/>
                 <a:cs typeface="Times New Roman" panose="02020603050405020304" pitchFamily="18" charset="0"/>
               </a:rPr>
-              <a:t>流程需要准备的（根据自己的文件来设置路径）</a:t>
+              <a:t> </a:t>
+            </a:r>
+            <a:r>
+              <a:rPr lang="en-US" altLang="zh-CN" sz="3200" dirty="0" smtClean="0">
+                <a:latin typeface="Times New Roman" panose="02020603050405020304" pitchFamily="18" charset="0"/>
+                <a:cs typeface="Times New Roman" panose="02020603050405020304" pitchFamily="18" charset="0"/>
+              </a:rPr>
+              <a:t>pipeline preparation based on your own paths</a:t>
             </a:r>
             <a:endParaRPr lang="zh-CN" altLang="en-US" sz="3200" dirty="0">
               <a:latin typeface="Times New Roman" panose="02020603050405020304" pitchFamily="18" charset="0"/>
@@ -4924,42 +4918,35 @@
                 <a:latin typeface="Times New Roman" panose="02020603050405020304" pitchFamily="18" charset="0"/>
                 <a:cs typeface="Times New Roman" panose="02020603050405020304" pitchFamily="18" charset="0"/>
               </a:rPr>
-              <a:t>1. STAR index (</a:t>
+              <a:t>1. STAR index </a:t>
+            </a:r>
+            <a:r>
+              <a:rPr lang="en-US" altLang="zh-CN" dirty="0" smtClean="0">
+                <a:latin typeface="Times New Roman" panose="02020603050405020304" pitchFamily="18" charset="0"/>
+                <a:cs typeface="Times New Roman" panose="02020603050405020304" pitchFamily="18" charset="0"/>
+              </a:rPr>
+              <a:t>(I used the Ensemble</a:t>
             </a:r>
             <a:r>
               <a:rPr lang="zh-CN" altLang="en-US" dirty="0" smtClean="0">
                 <a:latin typeface="Times New Roman" panose="02020603050405020304" pitchFamily="18" charset="0"/>
                 <a:cs typeface="Times New Roman" panose="02020603050405020304" pitchFamily="18" charset="0"/>
               </a:rPr>
-              <a:t>我的流程里用的是</a:t>
+              <a:t> </a:t>
             </a:r>
             <a:r>
               <a:rPr lang="en-US" altLang="zh-CN" dirty="0" smtClean="0">
                 <a:latin typeface="Times New Roman" panose="02020603050405020304" pitchFamily="18" charset="0"/>
                 <a:cs typeface="Times New Roman" panose="02020603050405020304" pitchFamily="18" charset="0"/>
               </a:rPr>
-              <a:t>Ensemble</a:t>
-            </a:r>
-            <a:r>
-              <a:rPr lang="zh-CN" altLang="en-US" dirty="0" smtClean="0">
-                <a:latin typeface="Times New Roman" panose="02020603050405020304" pitchFamily="18" charset="0"/>
-                <a:cs typeface="Times New Roman" panose="02020603050405020304" pitchFamily="18" charset="0"/>
-              </a:rPr>
-              <a:t>的</a:t>
+              <a:t>GRC</a:t>
             </a:r>
             <a:r>
               <a:rPr lang="en-US" altLang="zh-CN" dirty="0" smtClean="0">
                 <a:latin typeface="Times New Roman" panose="02020603050405020304" pitchFamily="18" charset="0"/>
                 <a:cs typeface="Times New Roman" panose="02020603050405020304" pitchFamily="18" charset="0"/>
               </a:rPr>
-              <a:t>hg38)</a:t>
-            </a:r>
-            <a:r>
-              <a:rPr lang="zh-CN" altLang="en-US" dirty="0" smtClean="0">
-                <a:latin typeface="Times New Roman" panose="02020603050405020304" pitchFamily="18" charset="0"/>
-                <a:cs typeface="Times New Roman" panose="02020603050405020304" pitchFamily="18" charset="0"/>
-              </a:rPr>
-              <a:t>，未提供</a:t>
+              <a:t>h38), not provided</a:t>
             </a:r>
             <a:endParaRPr lang="zh-CN" altLang="en-US" dirty="0">
               <a:latin typeface="Times New Roman" panose="02020603050405020304" pitchFamily="18" charset="0"/>
@@ -5102,14 +5089,7 @@
                 <a:latin typeface="Times New Roman" panose="02020603050405020304" pitchFamily="18" charset="0"/>
                 <a:cs typeface="Times New Roman" panose="02020603050405020304" pitchFamily="18" charset="0"/>
               </a:rPr>
-              <a:t>2.Barcode </a:t>
-            </a:r>
-            <a:r>
-              <a:rPr lang="zh-CN" altLang="en-US" dirty="0" smtClean="0">
-                <a:latin typeface="Times New Roman" panose="02020603050405020304" pitchFamily="18" charset="0"/>
-                <a:cs typeface="Times New Roman" panose="02020603050405020304" pitchFamily="18" charset="0"/>
-              </a:rPr>
-              <a:t>列表，已提供</a:t>
+              <a:t>2.Barcode, provided</a:t>
             </a:r>
             <a:endParaRPr lang="zh-CN" altLang="en-US" dirty="0">
               <a:latin typeface="Times New Roman" panose="02020603050405020304" pitchFamily="18" charset="0"/>
@@ -5181,11 +5161,18 @@
               <a:t>3. Trim </a:t>
             </a:r>
             <a:r>
-              <a:rPr lang="zh-CN" altLang="en-US" dirty="0" smtClean="0">
+              <a:rPr lang="en-US" altLang="zh-CN" dirty="0" smtClean="0">
                 <a:latin typeface="Times New Roman" panose="02020603050405020304" pitchFamily="18" charset="0"/>
                 <a:cs typeface="Times New Roman" panose="02020603050405020304" pitchFamily="18" charset="0"/>
               </a:rPr>
-              <a:t>脚本，已提供</a:t>
+              <a:t>script</a:t>
+            </a:r>
+            <a:r>
+              <a:rPr lang="en-US" altLang="zh-CN" dirty="0" smtClean="0">
+                <a:latin typeface="Times New Roman" panose="02020603050405020304" pitchFamily="18" charset="0"/>
+                <a:cs typeface="Times New Roman" panose="02020603050405020304" pitchFamily="18" charset="0"/>
+              </a:rPr>
+              <a:t>, provided</a:t>
             </a:r>
             <a:endParaRPr lang="zh-CN" altLang="en-US" dirty="0">
               <a:latin typeface="Times New Roman" panose="02020603050405020304" pitchFamily="18" charset="0"/>
@@ -5264,11 +5251,11 @@
               <a:t>. </a:t>
             </a:r>
             <a:r>
-              <a:rPr lang="zh-CN" altLang="en-US" dirty="0" smtClean="0">
+              <a:rPr lang="en-US" altLang="zh-CN" dirty="0" smtClean="0">
                 <a:latin typeface="Times New Roman" panose="02020603050405020304" pitchFamily="18" charset="0"/>
                 <a:cs typeface="Times New Roman" panose="02020603050405020304" pitchFamily="18" charset="0"/>
               </a:rPr>
-              <a:t>标准化表达表脚本，已提供</a:t>
+              <a:t>Normalize the expression, provided</a:t>
             </a:r>
             <a:endParaRPr lang="zh-CN" altLang="en-US" dirty="0">
               <a:latin typeface="Times New Roman" panose="02020603050405020304" pitchFamily="18" charset="0"/>
@@ -5360,7 +5347,7 @@
         <p:spPr>
           <a:xfrm>
             <a:off x="383432" y="5554628"/>
-            <a:ext cx="2395488" cy="646331"/>
+            <a:ext cx="2395488" cy="369332"/>
           </a:xfrm>
           <a:prstGeom prst="rect">
             <a:avLst/>
@@ -5381,11 +5368,18 @@
               <a:t>5. </a:t>
             </a:r>
             <a:r>
-              <a:rPr lang="zh-CN" altLang="en-US" dirty="0" smtClean="0">
+              <a:rPr lang="en-US" altLang="zh-CN" dirty="0" smtClean="0">
                 <a:latin typeface="Times New Roman" panose="02020603050405020304" pitchFamily="18" charset="0"/>
                 <a:cs typeface="Times New Roman" panose="02020603050405020304" pitchFamily="18" charset="0"/>
               </a:rPr>
-              <a:t>需要安装的软件，自行安装</a:t>
+              <a:t>Needed </a:t>
+            </a:r>
+            <a:r>
+              <a:rPr lang="en-US" altLang="zh-CN" dirty="0" err="1" smtClean="0">
+                <a:latin typeface="Times New Roman" panose="02020603050405020304" pitchFamily="18" charset="0"/>
+                <a:cs typeface="Times New Roman" panose="02020603050405020304" pitchFamily="18" charset="0"/>
+              </a:rPr>
+              <a:t>softwares</a:t>
             </a:r>
             <a:endParaRPr lang="zh-CN" altLang="en-US" dirty="0">
               <a:latin typeface="Times New Roman" panose="02020603050405020304" pitchFamily="18" charset="0"/>
@@ -5473,43 +5467,6 @@
           <a:chExt cx="0" cy="0"/>
         </a:xfrm>
       </p:grpSpPr>
-      <p:sp>
-        <p:nvSpPr>
-          <p:cNvPr id="26" name="标题 25">
-            <a:extLst>
-              <a:ext uri="{FF2B5EF4-FFF2-40B4-BE49-F238E27FC236}">
-                <a16:creationId xmlns:a16="http://schemas.microsoft.com/office/drawing/2014/main" id="{2BE12841-8815-4537-851A-01B98BE6FDF7}"/>
-              </a:ext>
-            </a:extLst>
-          </p:cNvPr>
-          <p:cNvSpPr>
-            <a:spLocks noGrp="1"/>
-          </p:cNvSpPr>
-          <p:nvPr>
-            <p:ph type="title"/>
-          </p:nvPr>
-        </p:nvSpPr>
-        <p:spPr/>
-        <p:txBody>
-          <a:bodyPr>
-            <a:normAutofit/>
-          </a:bodyPr>
-          <a:lstStyle/>
-          <a:p>
-            <a:r>
-              <a:rPr lang="zh-CN" altLang="en-US" sz="3200" dirty="0" smtClean="0">
-                <a:latin typeface="Times New Roman" panose="02020603050405020304" pitchFamily="18" charset="0"/>
-                <a:cs typeface="Times New Roman" panose="02020603050405020304" pitchFamily="18" charset="0"/>
-              </a:rPr>
-              <a:t>标准化表达表脚本需要设置的文件路径</a:t>
-            </a:r>
-            <a:endParaRPr lang="zh-CN" altLang="en-US" sz="3200" dirty="0">
-              <a:latin typeface="Times New Roman" panose="02020603050405020304" pitchFamily="18" charset="0"/>
-              <a:cs typeface="Times New Roman" panose="02020603050405020304" pitchFamily="18" charset="0"/>
-            </a:endParaRPr>
-          </a:p>
-        </p:txBody>
-      </p:sp>
       <p:pic>
         <p:nvPicPr>
           <p:cNvPr id="2" name="图片 1"/>
@@ -5608,7 +5565,7 @@
         <p:spPr>
           <a:xfrm>
             <a:off x="838200" y="4532405"/>
-            <a:ext cx="2954655" cy="369332"/>
+            <a:ext cx="2518638" cy="369332"/>
           </a:xfrm>
           <a:prstGeom prst="rect">
             <a:avLst/>
@@ -5622,11 +5579,11 @@
           <a:lstStyle/>
           <a:p>
             <a:r>
-              <a:rPr lang="zh-CN" altLang="en-US" dirty="0" smtClean="0">
+              <a:rPr lang="en-US" altLang="zh-CN" dirty="0" smtClean="0">
                 <a:latin typeface="Times New Roman" panose="02020603050405020304" pitchFamily="18" charset="0"/>
                 <a:cs typeface="Times New Roman" panose="02020603050405020304" pitchFamily="18" charset="0"/>
               </a:rPr>
-              <a:t>根据自己的文件来设置路径</a:t>
+              <a:t>Based on your own paths</a:t>
             </a:r>
             <a:endParaRPr lang="zh-CN" altLang="en-US" dirty="0">
               <a:latin typeface="Times New Roman" panose="02020603050405020304" pitchFamily="18" charset="0"/>
@@ -5743,7 +5700,14 @@
                 <a:latin typeface="Times New Roman" panose="02020603050405020304" pitchFamily="18" charset="0"/>
                 <a:cs typeface="Times New Roman" panose="02020603050405020304" pitchFamily="18" charset="0"/>
               </a:rPr>
-              <a:t>流程</a:t>
+              <a:t> </a:t>
+            </a:r>
+            <a:r>
+              <a:rPr lang="en-US" altLang="zh-CN" sz="3200" dirty="0" smtClean="0">
+                <a:latin typeface="Times New Roman" panose="02020603050405020304" pitchFamily="18" charset="0"/>
+                <a:cs typeface="Times New Roman" panose="02020603050405020304" pitchFamily="18" charset="0"/>
+              </a:rPr>
+              <a:t>pipeline summary</a:t>
             </a:r>
             <a:endParaRPr lang="zh-CN" altLang="en-US" sz="3200" dirty="0">
               <a:latin typeface="Times New Roman" panose="02020603050405020304" pitchFamily="18" charset="0"/>
@@ -6281,14 +6245,14 @@
                 <a:latin typeface="Times New Roman" panose="02020603050405020304" pitchFamily="18" charset="0"/>
                 <a:cs typeface="Times New Roman" panose="02020603050405020304" pitchFamily="18" charset="0"/>
               </a:rPr>
-              <a:t>New</a:t>
-            </a:r>
-            <a:r>
-              <a:rPr lang="zh-CN" altLang="en-US" sz="3200" dirty="0" smtClean="0">
+              <a:t>New </a:t>
+            </a:r>
+            <a:r>
+              <a:rPr lang="en-US" altLang="zh-CN" sz="3200" dirty="0" smtClean="0">
                 <a:latin typeface="Times New Roman" panose="02020603050405020304" pitchFamily="18" charset="0"/>
                 <a:cs typeface="Times New Roman" panose="02020603050405020304" pitchFamily="18" charset="0"/>
               </a:rPr>
-              <a:t>流程</a:t>
+              <a:t>pipeline</a:t>
             </a:r>
             <a:endParaRPr lang="zh-CN" altLang="en-US" sz="3200" dirty="0">
               <a:latin typeface="Times New Roman" panose="02020603050405020304" pitchFamily="18" charset="0"/>
@@ -6468,7 +6432,14 @@
                 <a:latin typeface="Times New Roman" panose="02020603050405020304" pitchFamily="18" charset="0"/>
                 <a:cs typeface="Times New Roman" panose="02020603050405020304" pitchFamily="18" charset="0"/>
               </a:rPr>
-              <a:t>流程</a:t>
+              <a:t> </a:t>
+            </a:r>
+            <a:r>
+              <a:rPr lang="en-US" altLang="zh-CN" sz="3200" dirty="0" smtClean="0">
+                <a:latin typeface="Times New Roman" panose="02020603050405020304" pitchFamily="18" charset="0"/>
+                <a:cs typeface="Times New Roman" panose="02020603050405020304" pitchFamily="18" charset="0"/>
+              </a:rPr>
+              <a:t>pipeline</a:t>
             </a:r>
             <a:endParaRPr lang="zh-CN" altLang="en-US" sz="3200" dirty="0">
               <a:latin typeface="Times New Roman" panose="02020603050405020304" pitchFamily="18" charset="0"/>
@@ -6622,14 +6593,21 @@
                 <a:latin typeface="Times New Roman" panose="02020603050405020304" pitchFamily="18" charset="0"/>
                 <a:cs typeface="Times New Roman" panose="02020603050405020304" pitchFamily="18" charset="0"/>
               </a:rPr>
-              <a:t>New</a:t>
+              <a:t>Run new</a:t>
             </a:r>
             <a:r>
               <a:rPr lang="zh-CN" altLang="en-US" sz="3200" dirty="0" smtClean="0">
                 <a:latin typeface="Times New Roman" panose="02020603050405020304" pitchFamily="18" charset="0"/>
                 <a:cs typeface="Times New Roman" panose="02020603050405020304" pitchFamily="18" charset="0"/>
               </a:rPr>
-              <a:t>流程运行</a:t>
+              <a:t> </a:t>
+            </a:r>
+            <a:r>
+              <a:rPr lang="en-US" altLang="zh-CN" sz="3200" dirty="0" smtClean="0">
+                <a:latin typeface="Times New Roman" panose="02020603050405020304" pitchFamily="18" charset="0"/>
+                <a:cs typeface="Times New Roman" panose="02020603050405020304" pitchFamily="18" charset="0"/>
+              </a:rPr>
+              <a:t>pipeline </a:t>
             </a:r>
             <a:endParaRPr lang="zh-CN" altLang="en-US" sz="3200" dirty="0">
               <a:latin typeface="Times New Roman" panose="02020603050405020304" pitchFamily="18" charset="0"/>
@@ -6646,8 +6624,8 @@
         </p:nvSpPr>
         <p:spPr>
           <a:xfrm>
-            <a:off x="3416900" y="4590342"/>
-            <a:ext cx="6532558" cy="369332"/>
+            <a:off x="3449762" y="4578429"/>
+            <a:ext cx="5615640" cy="369332"/>
           </a:xfrm>
           <a:prstGeom prst="rect">
             <a:avLst/>
@@ -6708,7 +6686,7 @@
                 <a:latin typeface="Times New Roman" panose="02020603050405020304" pitchFamily="18" charset="0"/>
                 <a:cs typeface="Times New Roman" panose="02020603050405020304" pitchFamily="18" charset="0"/>
               </a:rPr>
-              <a:t>scRNA_all_in_one_hg38/mm10.sh </a:t>
+              <a:t>scRNA_all_in_one_hg38.sh </a:t>
             </a:r>
             <a:r>
               <a:rPr lang="en-US" altLang="zh-CN" b="1" dirty="0" smtClean="0">
@@ -6754,48 +6732,6 @@
           </a:prstGeom>
         </p:spPr>
       </p:pic>
-      <p:sp>
-        <p:nvSpPr>
-          <p:cNvPr id="11" name="矩形 10"/>
-          <p:cNvSpPr/>
-          <p:nvPr/>
-        </p:nvSpPr>
-        <p:spPr>
-          <a:xfrm>
-            <a:off x="1225434" y="3949706"/>
-            <a:ext cx="5032147" cy="369332"/>
-          </a:xfrm>
-          <a:prstGeom prst="rect">
-            <a:avLst/>
-          </a:prstGeom>
-        </p:spPr>
-        <p:txBody>
-          <a:bodyPr wrap="none">
-            <a:spAutoFit/>
-          </a:bodyPr>
-          <a:lstStyle/>
-          <a:p>
-            <a:r>
-              <a:rPr lang="zh-CN" altLang="en-US" dirty="0">
-                <a:latin typeface="Times New Roman" panose="02020603050405020304" pitchFamily="18" charset="0"/>
-                <a:cs typeface="Times New Roman" panose="02020603050405020304" pitchFamily="18" charset="0"/>
-              </a:rPr>
-              <a:t>后台</a:t>
-            </a:r>
-            <a:r>
-              <a:rPr lang="zh-CN" altLang="en-US" dirty="0" smtClean="0">
-                <a:latin typeface="Times New Roman" panose="02020603050405020304" pitchFamily="18" charset="0"/>
-                <a:cs typeface="Times New Roman" panose="02020603050405020304" pitchFamily="18" charset="0"/>
-              </a:rPr>
-              <a:t>运行即可（运行此脚本，后面跟上文库名）</a:t>
-            </a:r>
-            <a:endParaRPr lang="zh-CN" altLang="en-US" dirty="0">
-              <a:latin typeface="Times New Roman" panose="02020603050405020304" pitchFamily="18" charset="0"/>
-              <a:cs typeface="Times New Roman" panose="02020603050405020304" pitchFamily="18" charset="0"/>
-            </a:endParaRPr>
-          </a:p>
-        </p:txBody>
-      </p:sp>
       <p:sp>
         <p:nvSpPr>
           <p:cNvPr id="21" name="下箭头 20"/>
@@ -6888,8 +6824,8 @@
         </p:nvSpPr>
         <p:spPr>
           <a:xfrm>
-            <a:off x="2328791" y="2500889"/>
-            <a:ext cx="3429144" cy="369332"/>
+            <a:off x="3123880" y="2548707"/>
+            <a:ext cx="1838965" cy="369332"/>
           </a:xfrm>
           <a:prstGeom prst="rect">
             <a:avLst/>
@@ -6901,26 +6837,12 @@
           </a:bodyPr>
           <a:lstStyle/>
           <a:p>
-            <a:r>
-              <a:rPr lang="zh-CN" altLang="en-US" dirty="0" smtClean="0">
-                <a:latin typeface="Times New Roman" panose="02020603050405020304" pitchFamily="18" charset="0"/>
-                <a:cs typeface="Times New Roman" panose="02020603050405020304" pitchFamily="18" charset="0"/>
-              </a:rPr>
-              <a:t>包含</a:t>
-            </a:r>
             <a:r>
               <a:rPr lang="en-US" altLang="zh-CN" dirty="0" smtClean="0">
                 <a:latin typeface="Times New Roman" panose="02020603050405020304" pitchFamily="18" charset="0"/>
                 <a:cs typeface="Times New Roman" panose="02020603050405020304" pitchFamily="18" charset="0"/>
               </a:rPr>
-              <a:t>96</a:t>
-            </a:r>
-            <a:r>
-              <a:rPr lang="zh-CN" altLang="en-US" dirty="0" smtClean="0">
-                <a:latin typeface="Times New Roman" panose="02020603050405020304" pitchFamily="18" charset="0"/>
-                <a:cs typeface="Times New Roman" panose="02020603050405020304" pitchFamily="18" charset="0"/>
-              </a:rPr>
-              <a:t>个细胞的文库，无需拆分</a:t>
+              <a:t>Include 1-96 cells</a:t>
             </a:r>
             <a:endParaRPr lang="zh-CN" altLang="en-US" dirty="0">
               <a:latin typeface="Times New Roman" panose="02020603050405020304" pitchFamily="18" charset="0"/>
@@ -7002,14 +6924,7 @@
                 <a:latin typeface="Times New Roman" panose="02020603050405020304" pitchFamily="18" charset="0"/>
                 <a:cs typeface="Times New Roman" panose="02020603050405020304" pitchFamily="18" charset="0"/>
               </a:rPr>
-              <a:t>New</a:t>
-            </a:r>
-            <a:r>
-              <a:rPr lang="zh-CN" altLang="en-US" sz="3200" dirty="0" smtClean="0">
-                <a:latin typeface="Times New Roman" panose="02020603050405020304" pitchFamily="18" charset="0"/>
-                <a:cs typeface="Times New Roman" panose="02020603050405020304" pitchFamily="18" charset="0"/>
-              </a:rPr>
-              <a:t>流程 产生的结果</a:t>
+              <a:t>New pipeline results</a:t>
             </a:r>
             <a:endParaRPr lang="zh-CN" altLang="en-US" sz="3200" dirty="0">
               <a:latin typeface="Times New Roman" panose="02020603050405020304" pitchFamily="18" charset="0"/>
@@ -7200,8 +7115,8 @@
         </p:nvSpPr>
         <p:spPr>
           <a:xfrm>
-            <a:off x="3206872" y="2267385"/>
-            <a:ext cx="2262158" cy="369332"/>
+            <a:off x="2958577" y="2225725"/>
+            <a:ext cx="2903359" cy="369332"/>
           </a:xfrm>
           <a:prstGeom prst="rect">
             <a:avLst/>
@@ -7215,11 +7130,11 @@
           <a:lstStyle/>
           <a:p>
             <a:r>
-              <a:rPr lang="zh-CN" altLang="en-US" dirty="0" smtClean="0">
+              <a:rPr lang="en-US" altLang="zh-CN" dirty="0" smtClean="0">
                 <a:latin typeface="Times New Roman" panose="02020603050405020304" pitchFamily="18" charset="0"/>
                 <a:cs typeface="Times New Roman" panose="02020603050405020304" pitchFamily="18" charset="0"/>
               </a:rPr>
-              <a:t>基因和转录本数统计</a:t>
+              <a:t>Summary of genes and UMIs</a:t>
             </a:r>
             <a:endParaRPr lang="zh-CN" altLang="en-US" dirty="0">
               <a:latin typeface="Times New Roman" panose="02020603050405020304" pitchFamily="18" charset="0"/>

--- a/scRNA-seq_pipeline_hg38/Single-cell_RNA-seq_pipeline.pptx
+++ b/scRNA-seq_pipeline_hg38/Single-cell_RNA-seq_pipeline.pptx
@@ -5,14 +5,15 @@
     <p:sldMasterId id="2147483648" r:id="rId1"/>
   </p:sldMasterIdLst>
   <p:sldIdLst>
-    <p:sldId id="257" r:id="rId2"/>
-    <p:sldId id="258" r:id="rId3"/>
-    <p:sldId id="265" r:id="rId4"/>
-    <p:sldId id="261" r:id="rId5"/>
-    <p:sldId id="259" r:id="rId6"/>
-    <p:sldId id="260" r:id="rId7"/>
-    <p:sldId id="263" r:id="rId8"/>
-    <p:sldId id="264" r:id="rId9"/>
+    <p:sldId id="266" r:id="rId2"/>
+    <p:sldId id="257" r:id="rId3"/>
+    <p:sldId id="258" r:id="rId4"/>
+    <p:sldId id="265" r:id="rId5"/>
+    <p:sldId id="261" r:id="rId6"/>
+    <p:sldId id="259" r:id="rId7"/>
+    <p:sldId id="260" r:id="rId8"/>
+    <p:sldId id="263" r:id="rId9"/>
+    <p:sldId id="264" r:id="rId10"/>
   </p:sldIdLst>
   <p:sldSz cx="12192000" cy="6858000"/>
   <p:notesSz cx="6858000" cy="9144000"/>
@@ -250,7 +251,7 @@
           <a:p>
             <a:fld id="{2CB3F085-3EC1-49D2-A102-1A672CFF7437}" type="datetimeFigureOut">
               <a:rPr lang="zh-CN" altLang="en-US" smtClean="0"/>
-              <a:t>2019/7/16</a:t>
+              <a:t>2019/9/26</a:t>
             </a:fld>
             <a:endParaRPr lang="zh-CN" altLang="en-US"/>
           </a:p>
@@ -420,7 +421,7 @@
           <a:p>
             <a:fld id="{2CB3F085-3EC1-49D2-A102-1A672CFF7437}" type="datetimeFigureOut">
               <a:rPr lang="zh-CN" altLang="en-US" smtClean="0"/>
-              <a:t>2019/7/16</a:t>
+              <a:t>2019/9/26</a:t>
             </a:fld>
             <a:endParaRPr lang="zh-CN" altLang="en-US"/>
           </a:p>
@@ -600,7 +601,7 @@
           <a:p>
             <a:fld id="{2CB3F085-3EC1-49D2-A102-1A672CFF7437}" type="datetimeFigureOut">
               <a:rPr lang="zh-CN" altLang="en-US" smtClean="0"/>
-              <a:t>2019/7/16</a:t>
+              <a:t>2019/9/26</a:t>
             </a:fld>
             <a:endParaRPr lang="zh-CN" altLang="en-US"/>
           </a:p>
@@ -770,7 +771,7 @@
           <a:p>
             <a:fld id="{2CB3F085-3EC1-49D2-A102-1A672CFF7437}" type="datetimeFigureOut">
               <a:rPr lang="zh-CN" altLang="en-US" smtClean="0"/>
-              <a:t>2019/7/16</a:t>
+              <a:t>2019/9/26</a:t>
             </a:fld>
             <a:endParaRPr lang="zh-CN" altLang="en-US"/>
           </a:p>
@@ -1016,7 +1017,7 @@
           <a:p>
             <a:fld id="{2CB3F085-3EC1-49D2-A102-1A672CFF7437}" type="datetimeFigureOut">
               <a:rPr lang="zh-CN" altLang="en-US" smtClean="0"/>
-              <a:t>2019/7/16</a:t>
+              <a:t>2019/9/26</a:t>
             </a:fld>
             <a:endParaRPr lang="zh-CN" altLang="en-US"/>
           </a:p>
@@ -1248,7 +1249,7 @@
           <a:p>
             <a:fld id="{2CB3F085-3EC1-49D2-A102-1A672CFF7437}" type="datetimeFigureOut">
               <a:rPr lang="zh-CN" altLang="en-US" smtClean="0"/>
-              <a:t>2019/7/16</a:t>
+              <a:t>2019/9/26</a:t>
             </a:fld>
             <a:endParaRPr lang="zh-CN" altLang="en-US"/>
           </a:p>
@@ -1615,7 +1616,7 @@
           <a:p>
             <a:fld id="{2CB3F085-3EC1-49D2-A102-1A672CFF7437}" type="datetimeFigureOut">
               <a:rPr lang="zh-CN" altLang="en-US" smtClean="0"/>
-              <a:t>2019/7/16</a:t>
+              <a:t>2019/9/26</a:t>
             </a:fld>
             <a:endParaRPr lang="zh-CN" altLang="en-US"/>
           </a:p>
@@ -1733,7 +1734,7 @@
           <a:p>
             <a:fld id="{2CB3F085-3EC1-49D2-A102-1A672CFF7437}" type="datetimeFigureOut">
               <a:rPr lang="zh-CN" altLang="en-US" smtClean="0"/>
-              <a:t>2019/7/16</a:t>
+              <a:t>2019/9/26</a:t>
             </a:fld>
             <a:endParaRPr lang="zh-CN" altLang="en-US"/>
           </a:p>
@@ -1828,7 +1829,7 @@
           <a:p>
             <a:fld id="{2CB3F085-3EC1-49D2-A102-1A672CFF7437}" type="datetimeFigureOut">
               <a:rPr lang="zh-CN" altLang="en-US" smtClean="0"/>
-              <a:t>2019/7/16</a:t>
+              <a:t>2019/9/26</a:t>
             </a:fld>
             <a:endParaRPr lang="zh-CN" altLang="en-US"/>
           </a:p>
@@ -2105,7 +2106,7 @@
           <a:p>
             <a:fld id="{2CB3F085-3EC1-49D2-A102-1A672CFF7437}" type="datetimeFigureOut">
               <a:rPr lang="zh-CN" altLang="en-US" smtClean="0"/>
-              <a:t>2019/7/16</a:t>
+              <a:t>2019/9/26</a:t>
             </a:fld>
             <a:endParaRPr lang="zh-CN" altLang="en-US"/>
           </a:p>
@@ -2358,7 +2359,7 @@
           <a:p>
             <a:fld id="{2CB3F085-3EC1-49D2-A102-1A672CFF7437}" type="datetimeFigureOut">
               <a:rPr lang="zh-CN" altLang="en-US" smtClean="0"/>
-              <a:t>2019/7/16</a:t>
+              <a:t>2019/9/26</a:t>
             </a:fld>
             <a:endParaRPr lang="zh-CN" altLang="en-US"/>
           </a:p>
@@ -2571,7 +2572,7 @@
           <a:p>
             <a:fld id="{2CB3F085-3EC1-49D2-A102-1A672CFF7437}" type="datetimeFigureOut">
               <a:rPr lang="zh-CN" altLang="en-US" smtClean="0"/>
-              <a:t>2019/7/16</a:t>
+              <a:t>2019/9/26</a:t>
             </a:fld>
             <a:endParaRPr lang="zh-CN" altLang="en-US"/>
           </a:p>
@@ -2960,6 +2961,1161 @@
 </file>
 
 <file path=ppt/slides/slide1.xml><?xml version="1.0" encoding="utf-8"?>
+<p:sld xmlns:a="http://schemas.openxmlformats.org/drawingml/2006/main" xmlns:r="http://schemas.openxmlformats.org/officeDocument/2006/relationships" xmlns:p="http://schemas.openxmlformats.org/presentationml/2006/main">
+  <p:cSld>
+    <p:spTree>
+      <p:nvGrpSpPr>
+        <p:cNvPr id="1" name=""/>
+        <p:cNvGrpSpPr/>
+        <p:nvPr/>
+      </p:nvGrpSpPr>
+      <p:grpSpPr>
+        <a:xfrm>
+          <a:off x="0" y="0"/>
+          <a:ext cx="0" cy="0"/>
+          <a:chOff x="0" y="0"/>
+          <a:chExt cx="0" cy="0"/>
+        </a:xfrm>
+      </p:grpSpPr>
+      <p:sp>
+        <p:nvSpPr>
+          <p:cNvPr id="2" name="标题 1">
+            <a:extLst>
+              <a:ext uri="{FF2B5EF4-FFF2-40B4-BE49-F238E27FC236}">
+                <a16:creationId xmlns:a16="http://schemas.microsoft.com/office/drawing/2014/main" id="{EA978E08-7D73-41F3-A29E-27F6FA6F802E}"/>
+              </a:ext>
+            </a:extLst>
+          </p:cNvPr>
+          <p:cNvSpPr>
+            <a:spLocks noGrp="1"/>
+          </p:cNvSpPr>
+          <p:nvPr>
+            <p:ph type="title"/>
+          </p:nvPr>
+        </p:nvSpPr>
+        <p:spPr/>
+        <p:txBody>
+          <a:bodyPr>
+            <a:normAutofit/>
+          </a:bodyPr>
+          <a:lstStyle/>
+          <a:p>
+            <a:r>
+              <a:rPr lang="en-US" altLang="zh-CN" sz="3200" dirty="0" smtClean="0">
+                <a:latin typeface="Arial" panose="020B0604020202020204" pitchFamily="34" charset="0"/>
+                <a:cs typeface="Arial" panose="020B0604020202020204" pitchFamily="34" charset="0"/>
+              </a:rPr>
+              <a:t>Sequence structure</a:t>
+            </a:r>
+            <a:endParaRPr lang="zh-CN" altLang="en-US" sz="3200" dirty="0">
+              <a:latin typeface="Arial" panose="020B0604020202020204" pitchFamily="34" charset="0"/>
+              <a:cs typeface="Arial" panose="020B0604020202020204" pitchFamily="34" charset="0"/>
+            </a:endParaRPr>
+          </a:p>
+        </p:txBody>
+      </p:sp>
+      <p:grpSp>
+        <p:nvGrpSpPr>
+          <p:cNvPr id="9" name="组合 8"/>
+          <p:cNvGrpSpPr/>
+          <p:nvPr/>
+        </p:nvGrpSpPr>
+        <p:grpSpPr>
+          <a:xfrm>
+            <a:off x="2076982" y="1690509"/>
+            <a:ext cx="8036446" cy="1216806"/>
+            <a:chOff x="1792757" y="2720638"/>
+            <a:chExt cx="8036446" cy="1216806"/>
+          </a:xfrm>
+        </p:grpSpPr>
+        <p:sp>
+          <p:nvSpPr>
+            <p:cNvPr id="43" name="矩形 42"/>
+            <p:cNvSpPr/>
+            <p:nvPr/>
+          </p:nvSpPr>
+          <p:spPr>
+            <a:xfrm rot="10800000">
+              <a:off x="7747856" y="3367650"/>
+              <a:ext cx="2055442" cy="230833"/>
+            </a:xfrm>
+            <a:prstGeom prst="rect">
+              <a:avLst/>
+            </a:prstGeom>
+            <a:ln>
+              <a:noFill/>
+            </a:ln>
+          </p:spPr>
+          <p:style>
+            <a:lnRef idx="2">
+              <a:schemeClr val="accent1">
+                <a:shade val="50000"/>
+              </a:schemeClr>
+            </a:lnRef>
+            <a:fillRef idx="1">
+              <a:schemeClr val="accent1"/>
+            </a:fillRef>
+            <a:effectRef idx="0">
+              <a:schemeClr val="accent1"/>
+            </a:effectRef>
+            <a:fontRef idx="minor">
+              <a:schemeClr val="lt1"/>
+            </a:fontRef>
+          </p:style>
+          <p:txBody>
+            <a:bodyPr rtlCol="0" anchor="ctr"/>
+            <a:lstStyle/>
+            <a:p>
+              <a:pPr algn="ctr"/>
+              <a:endParaRPr lang="zh-CN" altLang="en-US" sz="1600"/>
+            </a:p>
+          </p:txBody>
+        </p:sp>
+        <p:sp>
+          <p:nvSpPr>
+            <p:cNvPr id="44" name="矩形 43"/>
+            <p:cNvSpPr/>
+            <p:nvPr/>
+          </p:nvSpPr>
+          <p:spPr>
+            <a:xfrm rot="10800000">
+              <a:off x="7586542" y="3367649"/>
+              <a:ext cx="785448" cy="230833"/>
+            </a:xfrm>
+            <a:prstGeom prst="rect">
+              <a:avLst/>
+            </a:prstGeom>
+            <a:solidFill>
+              <a:srgbClr val="C00000"/>
+            </a:solidFill>
+            <a:ln>
+              <a:noFill/>
+            </a:ln>
+          </p:spPr>
+          <p:style>
+            <a:lnRef idx="2">
+              <a:schemeClr val="accent1">
+                <a:shade val="50000"/>
+              </a:schemeClr>
+            </a:lnRef>
+            <a:fillRef idx="1">
+              <a:schemeClr val="accent1"/>
+            </a:fillRef>
+            <a:effectRef idx="0">
+              <a:schemeClr val="accent1"/>
+            </a:effectRef>
+            <a:fontRef idx="minor">
+              <a:schemeClr val="lt1"/>
+            </a:fontRef>
+          </p:style>
+          <p:txBody>
+            <a:bodyPr rtlCol="0" anchor="ctr"/>
+            <a:lstStyle/>
+            <a:p>
+              <a:pPr algn="ctr"/>
+              <a:endParaRPr lang="zh-CN" altLang="en-US" sz="1600"/>
+            </a:p>
+          </p:txBody>
+        </p:sp>
+        <p:sp>
+          <p:nvSpPr>
+            <p:cNvPr id="45" name="矩形 44"/>
+            <p:cNvSpPr/>
+            <p:nvPr/>
+          </p:nvSpPr>
+          <p:spPr>
+            <a:xfrm rot="10800000">
+              <a:off x="6876180" y="3367648"/>
+              <a:ext cx="710361" cy="230833"/>
+            </a:xfrm>
+            <a:prstGeom prst="rect">
+              <a:avLst/>
+            </a:prstGeom>
+            <a:solidFill>
+              <a:schemeClr val="accent6">
+                <a:lumMod val="60000"/>
+                <a:lumOff val="40000"/>
+              </a:schemeClr>
+            </a:solidFill>
+            <a:ln>
+              <a:noFill/>
+            </a:ln>
+          </p:spPr>
+          <p:style>
+            <a:lnRef idx="2">
+              <a:schemeClr val="accent1">
+                <a:shade val="50000"/>
+              </a:schemeClr>
+            </a:lnRef>
+            <a:fillRef idx="1">
+              <a:schemeClr val="accent1"/>
+            </a:fillRef>
+            <a:effectRef idx="0">
+              <a:schemeClr val="accent1"/>
+            </a:effectRef>
+            <a:fontRef idx="minor">
+              <a:schemeClr val="lt1"/>
+            </a:fontRef>
+          </p:style>
+          <p:txBody>
+            <a:bodyPr rtlCol="0" anchor="ctr"/>
+            <a:lstStyle/>
+            <a:p>
+              <a:pPr algn="ctr"/>
+              <a:endParaRPr lang="zh-CN" altLang="en-US" sz="1600"/>
+            </a:p>
+          </p:txBody>
+        </p:sp>
+        <p:sp>
+          <p:nvSpPr>
+            <p:cNvPr id="47" name="矩形 46"/>
+            <p:cNvSpPr/>
+            <p:nvPr/>
+          </p:nvSpPr>
+          <p:spPr>
+            <a:xfrm rot="10800000">
+              <a:off x="3760888" y="3366070"/>
+              <a:ext cx="3115293" cy="213634"/>
+            </a:xfrm>
+            <a:prstGeom prst="rect">
+              <a:avLst/>
+            </a:prstGeom>
+            <a:solidFill>
+              <a:schemeClr val="tx1"/>
+            </a:solidFill>
+          </p:spPr>
+          <p:style>
+            <a:lnRef idx="2">
+              <a:schemeClr val="accent1">
+                <a:shade val="50000"/>
+              </a:schemeClr>
+            </a:lnRef>
+            <a:fillRef idx="1">
+              <a:schemeClr val="accent1"/>
+            </a:fillRef>
+            <a:effectRef idx="0">
+              <a:schemeClr val="accent1"/>
+            </a:effectRef>
+            <a:fontRef idx="minor">
+              <a:schemeClr val="lt1"/>
+            </a:fontRef>
+          </p:style>
+          <p:txBody>
+            <a:bodyPr rtlCol="0" anchor="ctr"/>
+            <a:lstStyle/>
+            <a:p>
+              <a:pPr algn="ctr"/>
+              <a:endParaRPr lang="zh-CN" altLang="en-US" sz="1600"/>
+            </a:p>
+          </p:txBody>
+        </p:sp>
+        <p:sp>
+          <p:nvSpPr>
+            <p:cNvPr id="48" name="文本框 47"/>
+            <p:cNvSpPr txBox="1"/>
+            <p:nvPr/>
+          </p:nvSpPr>
+          <p:spPr>
+            <a:xfrm>
+              <a:off x="8553878" y="3598890"/>
+              <a:ext cx="1249420" cy="338554"/>
+            </a:xfrm>
+            <a:prstGeom prst="rect">
+              <a:avLst/>
+            </a:prstGeom>
+            <a:noFill/>
+          </p:spPr>
+          <p:txBody>
+            <a:bodyPr wrap="square" rtlCol="0">
+              <a:spAutoFit/>
+            </a:bodyPr>
+            <a:lstStyle/>
+            <a:p>
+              <a:r>
+                <a:rPr lang="en-US" altLang="zh-CN" sz="1600" b="1" dirty="0" smtClean="0">
+                  <a:latin typeface="Arial" panose="020B0604020202020204" pitchFamily="34" charset="0"/>
+                  <a:cs typeface="Arial" panose="020B0604020202020204" pitchFamily="34" charset="0"/>
+                </a:rPr>
+                <a:t>R2 Primer</a:t>
+              </a:r>
+              <a:endParaRPr lang="zh-CN" altLang="en-US" sz="1600" b="1" dirty="0">
+                <a:latin typeface="Arial" panose="020B0604020202020204" pitchFamily="34" charset="0"/>
+                <a:cs typeface="Arial" panose="020B0604020202020204" pitchFamily="34" charset="0"/>
+              </a:endParaRPr>
+            </a:p>
+          </p:txBody>
+        </p:sp>
+        <p:sp>
+          <p:nvSpPr>
+            <p:cNvPr id="49" name="文本框 48"/>
+            <p:cNvSpPr txBox="1"/>
+            <p:nvPr/>
+          </p:nvSpPr>
+          <p:spPr>
+            <a:xfrm>
+              <a:off x="7132065" y="2998182"/>
+              <a:ext cx="1598935" cy="338554"/>
+            </a:xfrm>
+            <a:prstGeom prst="rect">
+              <a:avLst/>
+            </a:prstGeom>
+            <a:noFill/>
+          </p:spPr>
+          <p:txBody>
+            <a:bodyPr wrap="square" rtlCol="0">
+              <a:spAutoFit/>
+            </a:bodyPr>
+            <a:lstStyle/>
+            <a:p>
+              <a:r>
+                <a:rPr lang="en-US" altLang="zh-CN" sz="1600" b="1" dirty="0" smtClean="0">
+                  <a:latin typeface="Arial" panose="020B0604020202020204" pitchFamily="34" charset="0"/>
+                  <a:cs typeface="Arial" panose="020B0604020202020204" pitchFamily="34" charset="0"/>
+                </a:rPr>
+                <a:t>Barcode (8BP)</a:t>
+              </a:r>
+              <a:endParaRPr lang="zh-CN" altLang="en-US" sz="1600" b="1" dirty="0">
+                <a:latin typeface="Arial" panose="020B0604020202020204" pitchFamily="34" charset="0"/>
+                <a:cs typeface="Arial" panose="020B0604020202020204" pitchFamily="34" charset="0"/>
+              </a:endParaRPr>
+            </a:p>
+          </p:txBody>
+        </p:sp>
+        <p:sp>
+          <p:nvSpPr>
+            <p:cNvPr id="50" name="文本框 49"/>
+            <p:cNvSpPr txBox="1"/>
+            <p:nvPr/>
+          </p:nvSpPr>
+          <p:spPr>
+            <a:xfrm>
+              <a:off x="6559089" y="3598890"/>
+              <a:ext cx="1125752" cy="338554"/>
+            </a:xfrm>
+            <a:prstGeom prst="rect">
+              <a:avLst/>
+            </a:prstGeom>
+            <a:noFill/>
+          </p:spPr>
+          <p:txBody>
+            <a:bodyPr wrap="square" rtlCol="0">
+              <a:spAutoFit/>
+            </a:bodyPr>
+            <a:lstStyle/>
+            <a:p>
+              <a:r>
+                <a:rPr lang="en-US" altLang="zh-CN" sz="1600" b="1" dirty="0" smtClean="0">
+                  <a:latin typeface="Arial" panose="020B0604020202020204" pitchFamily="34" charset="0"/>
+                  <a:cs typeface="Arial" panose="020B0604020202020204" pitchFamily="34" charset="0"/>
+                </a:rPr>
+                <a:t>UMI (8bp)</a:t>
+              </a:r>
+              <a:endParaRPr lang="zh-CN" altLang="en-US" sz="1600" b="1" dirty="0">
+                <a:latin typeface="Arial" panose="020B0604020202020204" pitchFamily="34" charset="0"/>
+                <a:cs typeface="Arial" panose="020B0604020202020204" pitchFamily="34" charset="0"/>
+              </a:endParaRPr>
+            </a:p>
+          </p:txBody>
+        </p:sp>
+        <p:sp>
+          <p:nvSpPr>
+            <p:cNvPr id="51" name="文本框 50"/>
+            <p:cNvSpPr txBox="1"/>
+            <p:nvPr/>
+          </p:nvSpPr>
+          <p:spPr>
+            <a:xfrm>
+              <a:off x="1792757" y="3305409"/>
+              <a:ext cx="2395150" cy="338554"/>
+            </a:xfrm>
+            <a:prstGeom prst="rect">
+              <a:avLst/>
+            </a:prstGeom>
+            <a:noFill/>
+          </p:spPr>
+          <p:txBody>
+            <a:bodyPr wrap="square" rtlCol="0">
+              <a:spAutoFit/>
+            </a:bodyPr>
+            <a:lstStyle/>
+            <a:p>
+              <a:r>
+                <a:rPr lang="en-US" altLang="zh-CN" sz="1600" b="1" dirty="0" smtClean="0">
+                  <a:latin typeface="Arial" panose="020B0604020202020204" pitchFamily="34" charset="0"/>
+                  <a:cs typeface="Arial" panose="020B0604020202020204" pitchFamily="34" charset="0"/>
+                </a:rPr>
+                <a:t>R1 Primer (+ TSO)</a:t>
+              </a:r>
+              <a:endParaRPr lang="zh-CN" altLang="en-US" sz="1600" b="1" dirty="0">
+                <a:latin typeface="Arial" panose="020B0604020202020204" pitchFamily="34" charset="0"/>
+                <a:cs typeface="Arial" panose="020B0604020202020204" pitchFamily="34" charset="0"/>
+              </a:endParaRPr>
+            </a:p>
+          </p:txBody>
+        </p:sp>
+        <p:cxnSp>
+          <p:nvCxnSpPr>
+            <p:cNvPr id="4" name="直接箭头连接符 3"/>
+            <p:cNvCxnSpPr/>
+            <p:nvPr/>
+          </p:nvCxnSpPr>
+          <p:spPr>
+            <a:xfrm>
+              <a:off x="2308142" y="2901463"/>
+              <a:ext cx="1883192" cy="0"/>
+            </a:xfrm>
+            <a:prstGeom prst="straightConnector1">
+              <a:avLst/>
+            </a:prstGeom>
+            <a:ln w="57150">
+              <a:tailEnd type="triangle"/>
+            </a:ln>
+          </p:spPr>
+          <p:style>
+            <a:lnRef idx="1">
+              <a:schemeClr val="accent1"/>
+            </a:lnRef>
+            <a:fillRef idx="0">
+              <a:schemeClr val="accent1"/>
+            </a:fillRef>
+            <a:effectRef idx="0">
+              <a:schemeClr val="accent1"/>
+            </a:effectRef>
+            <a:fontRef idx="minor">
+              <a:schemeClr val="tx1"/>
+            </a:fontRef>
+          </p:style>
+        </p:cxnSp>
+        <p:cxnSp>
+          <p:nvCxnSpPr>
+            <p:cNvPr id="52" name="直接箭头连接符 51"/>
+            <p:cNvCxnSpPr/>
+            <p:nvPr/>
+          </p:nvCxnSpPr>
+          <p:spPr>
+            <a:xfrm flipH="1">
+              <a:off x="7586542" y="2901463"/>
+              <a:ext cx="1702688" cy="0"/>
+            </a:xfrm>
+            <a:prstGeom prst="straightConnector1">
+              <a:avLst/>
+            </a:prstGeom>
+            <a:ln w="57150">
+              <a:tailEnd type="triangle"/>
+            </a:ln>
+          </p:spPr>
+          <p:style>
+            <a:lnRef idx="1">
+              <a:schemeClr val="accent1"/>
+            </a:lnRef>
+            <a:fillRef idx="0">
+              <a:schemeClr val="accent1"/>
+            </a:fillRef>
+            <a:effectRef idx="0">
+              <a:schemeClr val="accent1"/>
+            </a:effectRef>
+            <a:fontRef idx="minor">
+              <a:schemeClr val="tx1"/>
+            </a:fontRef>
+          </p:style>
+        </p:cxnSp>
+        <p:sp>
+          <p:nvSpPr>
+            <p:cNvPr id="53" name="文本框 52"/>
+            <p:cNvSpPr txBox="1"/>
+            <p:nvPr/>
+          </p:nvSpPr>
+          <p:spPr>
+            <a:xfrm>
+              <a:off x="1803635" y="2720638"/>
+              <a:ext cx="610964" cy="338554"/>
+            </a:xfrm>
+            <a:prstGeom prst="rect">
+              <a:avLst/>
+            </a:prstGeom>
+            <a:noFill/>
+          </p:spPr>
+          <p:txBody>
+            <a:bodyPr wrap="square" rtlCol="0">
+              <a:spAutoFit/>
+            </a:bodyPr>
+            <a:lstStyle/>
+            <a:p>
+              <a:r>
+                <a:rPr lang="en-US" altLang="zh-CN" sz="1600" b="1" dirty="0" smtClean="0">
+                  <a:latin typeface="Arial" panose="020B0604020202020204" pitchFamily="34" charset="0"/>
+                  <a:cs typeface="Arial" panose="020B0604020202020204" pitchFamily="34" charset="0"/>
+                </a:rPr>
+                <a:t>R1</a:t>
+              </a:r>
+              <a:endParaRPr lang="zh-CN" altLang="en-US" sz="1600" b="1" dirty="0">
+                <a:latin typeface="Arial" panose="020B0604020202020204" pitchFamily="34" charset="0"/>
+                <a:cs typeface="Arial" panose="020B0604020202020204" pitchFamily="34" charset="0"/>
+              </a:endParaRPr>
+            </a:p>
+          </p:txBody>
+        </p:sp>
+        <p:sp>
+          <p:nvSpPr>
+            <p:cNvPr id="8" name="矩形 7"/>
+            <p:cNvSpPr/>
+            <p:nvPr/>
+          </p:nvSpPr>
+          <p:spPr>
+            <a:xfrm>
+              <a:off x="9325539" y="2736027"/>
+              <a:ext cx="503664" cy="338554"/>
+            </a:xfrm>
+            <a:prstGeom prst="rect">
+              <a:avLst/>
+            </a:prstGeom>
+          </p:spPr>
+          <p:txBody>
+            <a:bodyPr wrap="none">
+              <a:spAutoFit/>
+            </a:bodyPr>
+            <a:lstStyle/>
+            <a:p>
+              <a:r>
+                <a:rPr lang="en-US" altLang="zh-CN" sz="1600" b="1" dirty="0">
+                  <a:latin typeface="Arial" panose="020B0604020202020204" pitchFamily="34" charset="0"/>
+                  <a:cs typeface="Arial" panose="020B0604020202020204" pitchFamily="34" charset="0"/>
+                </a:rPr>
+                <a:t>R2 </a:t>
+              </a:r>
+              <a:endParaRPr lang="zh-CN" altLang="en-US" sz="1600" dirty="0"/>
+            </a:p>
+          </p:txBody>
+        </p:sp>
+      </p:grpSp>
+      <p:grpSp>
+        <p:nvGrpSpPr>
+          <p:cNvPr id="5" name="组合 4"/>
+          <p:cNvGrpSpPr/>
+          <p:nvPr/>
+        </p:nvGrpSpPr>
+        <p:grpSpPr>
+          <a:xfrm>
+            <a:off x="1455917" y="3602064"/>
+            <a:ext cx="9278575" cy="1787590"/>
+            <a:chOff x="3751807" y="3813559"/>
+            <a:chExt cx="5620472" cy="1787590"/>
+          </a:xfrm>
+        </p:grpSpPr>
+        <p:grpSp>
+          <p:nvGrpSpPr>
+            <p:cNvPr id="3" name="组合 2"/>
+            <p:cNvGrpSpPr/>
+            <p:nvPr/>
+          </p:nvGrpSpPr>
+          <p:grpSpPr>
+            <a:xfrm>
+              <a:off x="3751807" y="3813559"/>
+              <a:ext cx="5620472" cy="536157"/>
+              <a:chOff x="2655387" y="4447221"/>
+              <a:chExt cx="5620472" cy="536157"/>
+            </a:xfrm>
+          </p:grpSpPr>
+          <p:sp>
+            <p:nvSpPr>
+              <p:cNvPr id="29" name="文本框 28"/>
+              <p:cNvSpPr txBox="1"/>
+              <p:nvPr/>
+            </p:nvSpPr>
+            <p:spPr>
+              <a:xfrm>
+                <a:off x="3159051" y="4447221"/>
+                <a:ext cx="1598935" cy="523220"/>
+              </a:xfrm>
+              <a:prstGeom prst="rect">
+                <a:avLst/>
+              </a:prstGeom>
+              <a:noFill/>
+            </p:spPr>
+            <p:txBody>
+              <a:bodyPr wrap="square" rtlCol="0">
+                <a:spAutoFit/>
+              </a:bodyPr>
+              <a:lstStyle/>
+              <a:p>
+                <a:r>
+                  <a:rPr lang="en-US" altLang="zh-CN" sz="2800" b="1" dirty="0" smtClean="0">
+                    <a:solidFill>
+                      <a:srgbClr val="0070C0"/>
+                    </a:solidFill>
+                    <a:latin typeface="Arial" panose="020B0604020202020204" pitchFamily="34" charset="0"/>
+                    <a:cs typeface="Arial" panose="020B0604020202020204" pitchFamily="34" charset="0"/>
+                  </a:rPr>
+                  <a:t>Barcode (8BP)</a:t>
+                </a:r>
+                <a:endParaRPr lang="zh-CN" altLang="en-US" sz="2800" b="1" dirty="0">
+                  <a:solidFill>
+                    <a:srgbClr val="0070C0"/>
+                  </a:solidFill>
+                  <a:latin typeface="Arial" panose="020B0604020202020204" pitchFamily="34" charset="0"/>
+                  <a:cs typeface="Arial" panose="020B0604020202020204" pitchFamily="34" charset="0"/>
+                </a:endParaRPr>
+              </a:p>
+            </p:txBody>
+          </p:sp>
+          <p:sp>
+            <p:nvSpPr>
+              <p:cNvPr id="30" name="文本框 29"/>
+              <p:cNvSpPr txBox="1"/>
+              <p:nvPr/>
+            </p:nvSpPr>
+            <p:spPr>
+              <a:xfrm>
+                <a:off x="5082080" y="4447221"/>
+                <a:ext cx="1125752" cy="523220"/>
+              </a:xfrm>
+              <a:prstGeom prst="rect">
+                <a:avLst/>
+              </a:prstGeom>
+              <a:noFill/>
+            </p:spPr>
+            <p:txBody>
+              <a:bodyPr wrap="square" rtlCol="0">
+                <a:spAutoFit/>
+              </a:bodyPr>
+              <a:lstStyle/>
+              <a:p>
+                <a:r>
+                  <a:rPr lang="en-US" altLang="zh-CN" sz="2800" b="1" dirty="0" smtClean="0">
+                    <a:solidFill>
+                      <a:srgbClr val="0070C0"/>
+                    </a:solidFill>
+                    <a:latin typeface="Arial" panose="020B0604020202020204" pitchFamily="34" charset="0"/>
+                    <a:cs typeface="Arial" panose="020B0604020202020204" pitchFamily="34" charset="0"/>
+                  </a:rPr>
+                  <a:t>UMI (8bp)</a:t>
+                </a:r>
+                <a:endParaRPr lang="zh-CN" altLang="en-US" sz="2800" b="1" dirty="0">
+                  <a:solidFill>
+                    <a:srgbClr val="0070C0"/>
+                  </a:solidFill>
+                  <a:latin typeface="Arial" panose="020B0604020202020204" pitchFamily="34" charset="0"/>
+                  <a:cs typeface="Arial" panose="020B0604020202020204" pitchFamily="34" charset="0"/>
+                </a:endParaRPr>
+              </a:p>
+            </p:txBody>
+          </p:sp>
+          <p:sp>
+            <p:nvSpPr>
+              <p:cNvPr id="31" name="文本框 30"/>
+              <p:cNvSpPr txBox="1"/>
+              <p:nvPr/>
+            </p:nvSpPr>
+            <p:spPr>
+              <a:xfrm>
+                <a:off x="4757986" y="4447221"/>
+                <a:ext cx="253816" cy="523220"/>
+              </a:xfrm>
+              <a:prstGeom prst="rect">
+                <a:avLst/>
+              </a:prstGeom>
+              <a:noFill/>
+            </p:spPr>
+            <p:txBody>
+              <a:bodyPr wrap="square" rtlCol="0">
+                <a:spAutoFit/>
+              </a:bodyPr>
+              <a:lstStyle/>
+              <a:p>
+                <a:r>
+                  <a:rPr lang="en-US" altLang="zh-CN" sz="2800" b="1" dirty="0" smtClean="0">
+                    <a:solidFill>
+                      <a:srgbClr val="0070C0"/>
+                    </a:solidFill>
+                    <a:latin typeface="Arial" panose="020B0604020202020204" pitchFamily="34" charset="0"/>
+                    <a:cs typeface="Arial" panose="020B0604020202020204" pitchFamily="34" charset="0"/>
+                  </a:rPr>
+                  <a:t>+</a:t>
+                </a:r>
+                <a:endParaRPr lang="zh-CN" altLang="en-US" sz="2800" b="1" dirty="0">
+                  <a:solidFill>
+                    <a:srgbClr val="0070C0"/>
+                  </a:solidFill>
+                  <a:latin typeface="Arial" panose="020B0604020202020204" pitchFamily="34" charset="0"/>
+                  <a:cs typeface="Arial" panose="020B0604020202020204" pitchFamily="34" charset="0"/>
+                </a:endParaRPr>
+              </a:p>
+            </p:txBody>
+          </p:sp>
+          <p:sp>
+            <p:nvSpPr>
+              <p:cNvPr id="32" name="文本框 31"/>
+              <p:cNvSpPr txBox="1"/>
+              <p:nvPr/>
+            </p:nvSpPr>
+            <p:spPr>
+              <a:xfrm>
+                <a:off x="6356921" y="4447221"/>
+                <a:ext cx="1918938" cy="523220"/>
+              </a:xfrm>
+              <a:prstGeom prst="rect">
+                <a:avLst/>
+              </a:prstGeom>
+              <a:noFill/>
+            </p:spPr>
+            <p:txBody>
+              <a:bodyPr wrap="square" rtlCol="0">
+                <a:spAutoFit/>
+              </a:bodyPr>
+              <a:lstStyle/>
+              <a:p>
+                <a:r>
+                  <a:rPr lang="en-US" altLang="zh-CN" sz="2800" b="1" dirty="0" err="1" smtClean="0">
+                    <a:solidFill>
+                      <a:srgbClr val="0070C0"/>
+                    </a:solidFill>
+                    <a:latin typeface="Arial" panose="020B0604020202020204" pitchFamily="34" charset="0"/>
+                    <a:cs typeface="Arial" panose="020B0604020202020204" pitchFamily="34" charset="0"/>
+                  </a:rPr>
+                  <a:t>PolyA</a:t>
+                </a:r>
+                <a:r>
+                  <a:rPr lang="en-US" altLang="zh-CN" sz="2800" b="1" dirty="0" smtClean="0">
+                    <a:solidFill>
+                      <a:srgbClr val="0070C0"/>
+                    </a:solidFill>
+                    <a:latin typeface="Arial" panose="020B0604020202020204" pitchFamily="34" charset="0"/>
+                    <a:cs typeface="Arial" panose="020B0604020202020204" pitchFamily="34" charset="0"/>
+                  </a:rPr>
+                  <a:t> + </a:t>
+                </a:r>
+                <a:r>
+                  <a:rPr lang="zh-CN" altLang="en-US" sz="2800" b="1" dirty="0" smtClean="0">
+                    <a:solidFill>
+                      <a:srgbClr val="0070C0"/>
+                    </a:solidFill>
+                    <a:latin typeface="Arial" panose="020B0604020202020204" pitchFamily="34" charset="0"/>
+                    <a:cs typeface="Arial" panose="020B0604020202020204" pitchFamily="34" charset="0"/>
+                  </a:rPr>
+                  <a:t>（</a:t>
+                </a:r>
+                <a:r>
+                  <a:rPr lang="en-US" altLang="zh-CN" sz="2800" b="1" dirty="0" smtClean="0">
+                    <a:solidFill>
+                      <a:srgbClr val="0070C0"/>
+                    </a:solidFill>
+                    <a:latin typeface="Arial" panose="020B0604020202020204" pitchFamily="34" charset="0"/>
+                    <a:cs typeface="Arial" panose="020B0604020202020204" pitchFamily="34" charset="0"/>
+                  </a:rPr>
+                  <a:t>mRNA</a:t>
+                </a:r>
+                <a:r>
+                  <a:rPr lang="zh-CN" altLang="en-US" sz="2800" b="1" dirty="0" smtClean="0">
+                    <a:solidFill>
+                      <a:srgbClr val="0070C0"/>
+                    </a:solidFill>
+                    <a:latin typeface="Arial" panose="020B0604020202020204" pitchFamily="34" charset="0"/>
+                    <a:cs typeface="Arial" panose="020B0604020202020204" pitchFamily="34" charset="0"/>
+                  </a:rPr>
+                  <a:t>）</a:t>
+                </a:r>
+                <a:endParaRPr lang="zh-CN" altLang="en-US" sz="2800" b="1" dirty="0">
+                  <a:solidFill>
+                    <a:srgbClr val="0070C0"/>
+                  </a:solidFill>
+                  <a:latin typeface="Arial" panose="020B0604020202020204" pitchFamily="34" charset="0"/>
+                  <a:cs typeface="Arial" panose="020B0604020202020204" pitchFamily="34" charset="0"/>
+                </a:endParaRPr>
+              </a:p>
+            </p:txBody>
+          </p:sp>
+          <p:sp>
+            <p:nvSpPr>
+              <p:cNvPr id="33" name="文本框 32"/>
+              <p:cNvSpPr txBox="1"/>
+              <p:nvPr/>
+            </p:nvSpPr>
+            <p:spPr>
+              <a:xfrm>
+                <a:off x="6103105" y="4447221"/>
+                <a:ext cx="253816" cy="523220"/>
+              </a:xfrm>
+              <a:prstGeom prst="rect">
+                <a:avLst/>
+              </a:prstGeom>
+              <a:noFill/>
+            </p:spPr>
+            <p:txBody>
+              <a:bodyPr wrap="square" rtlCol="0">
+                <a:spAutoFit/>
+              </a:bodyPr>
+              <a:lstStyle/>
+              <a:p>
+                <a:r>
+                  <a:rPr lang="en-US" altLang="zh-CN" sz="2800" b="1" dirty="0" smtClean="0">
+                    <a:solidFill>
+                      <a:srgbClr val="0070C0"/>
+                    </a:solidFill>
+                    <a:latin typeface="Arial" panose="020B0604020202020204" pitchFamily="34" charset="0"/>
+                    <a:cs typeface="Arial" panose="020B0604020202020204" pitchFamily="34" charset="0"/>
+                  </a:rPr>
+                  <a:t>+</a:t>
+                </a:r>
+                <a:endParaRPr lang="zh-CN" altLang="en-US" sz="2800" b="1" dirty="0">
+                  <a:solidFill>
+                    <a:srgbClr val="0070C0"/>
+                  </a:solidFill>
+                  <a:latin typeface="Arial" panose="020B0604020202020204" pitchFamily="34" charset="0"/>
+                  <a:cs typeface="Arial" panose="020B0604020202020204" pitchFamily="34" charset="0"/>
+                </a:endParaRPr>
+              </a:p>
+            </p:txBody>
+          </p:sp>
+          <p:sp>
+            <p:nvSpPr>
+              <p:cNvPr id="34" name="矩形 33"/>
+              <p:cNvSpPr/>
+              <p:nvPr/>
+            </p:nvSpPr>
+            <p:spPr>
+              <a:xfrm>
+                <a:off x="2655387" y="4460158"/>
+                <a:ext cx="523571" cy="523220"/>
+              </a:xfrm>
+              <a:prstGeom prst="rect">
+                <a:avLst/>
+              </a:prstGeom>
+            </p:spPr>
+            <p:txBody>
+              <a:bodyPr wrap="none">
+                <a:spAutoFit/>
+              </a:bodyPr>
+              <a:lstStyle/>
+              <a:p>
+                <a:r>
+                  <a:rPr lang="en-US" altLang="zh-CN" sz="2800" b="1" dirty="0" smtClean="0">
+                    <a:solidFill>
+                      <a:srgbClr val="0070C0"/>
+                    </a:solidFill>
+                    <a:latin typeface="Arial" panose="020B0604020202020204" pitchFamily="34" charset="0"/>
+                    <a:cs typeface="Arial" panose="020B0604020202020204" pitchFamily="34" charset="0"/>
+                  </a:rPr>
+                  <a:t>R2: </a:t>
+                </a:r>
+                <a:endParaRPr lang="zh-CN" altLang="en-US" sz="2800" dirty="0">
+                  <a:solidFill>
+                    <a:srgbClr val="0070C0"/>
+                  </a:solidFill>
+                </a:endParaRPr>
+              </a:p>
+            </p:txBody>
+          </p:sp>
+        </p:grpSp>
+        <p:grpSp>
+          <p:nvGrpSpPr>
+            <p:cNvPr id="42" name="组合 41"/>
+            <p:cNvGrpSpPr/>
+            <p:nvPr/>
+          </p:nvGrpSpPr>
+          <p:grpSpPr>
+            <a:xfrm>
+              <a:off x="3774162" y="5064992"/>
+              <a:ext cx="4490216" cy="536157"/>
+              <a:chOff x="2655387" y="5071476"/>
+              <a:chExt cx="4490216" cy="536157"/>
+            </a:xfrm>
+          </p:grpSpPr>
+          <p:sp>
+            <p:nvSpPr>
+              <p:cNvPr id="54" name="文本框 53"/>
+              <p:cNvSpPr txBox="1"/>
+              <p:nvPr/>
+            </p:nvSpPr>
+            <p:spPr>
+              <a:xfrm>
+                <a:off x="4637765" y="5079411"/>
+                <a:ext cx="873666" cy="523220"/>
+              </a:xfrm>
+              <a:prstGeom prst="rect">
+                <a:avLst/>
+              </a:prstGeom>
+              <a:noFill/>
+            </p:spPr>
+            <p:txBody>
+              <a:bodyPr wrap="square" rtlCol="0">
+                <a:spAutoFit/>
+              </a:bodyPr>
+              <a:lstStyle/>
+              <a:p>
+                <a:r>
+                  <a:rPr lang="en-US" altLang="zh-CN" sz="2800" b="1" dirty="0" smtClean="0">
+                    <a:solidFill>
+                      <a:srgbClr val="C00000"/>
+                    </a:solidFill>
+                    <a:latin typeface="Arial" panose="020B0604020202020204" pitchFamily="34" charset="0"/>
+                    <a:cs typeface="Arial" panose="020B0604020202020204" pitchFamily="34" charset="0"/>
+                  </a:rPr>
+                  <a:t>mRNA</a:t>
+                </a:r>
+                <a:endParaRPr lang="zh-CN" altLang="en-US" sz="2800" b="1" dirty="0">
+                  <a:solidFill>
+                    <a:srgbClr val="C00000"/>
+                  </a:solidFill>
+                  <a:latin typeface="Arial" panose="020B0604020202020204" pitchFamily="34" charset="0"/>
+                  <a:cs typeface="Arial" panose="020B0604020202020204" pitchFamily="34" charset="0"/>
+                </a:endParaRPr>
+              </a:p>
+            </p:txBody>
+          </p:sp>
+          <p:sp>
+            <p:nvSpPr>
+              <p:cNvPr id="57" name="文本框 56"/>
+              <p:cNvSpPr txBox="1"/>
+              <p:nvPr/>
+            </p:nvSpPr>
+            <p:spPr>
+              <a:xfrm>
+                <a:off x="5960161" y="5071476"/>
+                <a:ext cx="1185442" cy="523220"/>
+              </a:xfrm>
+              <a:prstGeom prst="rect">
+                <a:avLst/>
+              </a:prstGeom>
+              <a:noFill/>
+            </p:spPr>
+            <p:txBody>
+              <a:bodyPr wrap="square" rtlCol="0">
+                <a:spAutoFit/>
+              </a:bodyPr>
+              <a:lstStyle/>
+              <a:p>
+                <a:r>
+                  <a:rPr lang="en-US" altLang="zh-CN" sz="2800" b="1" dirty="0" smtClean="0">
+                    <a:solidFill>
+                      <a:srgbClr val="C00000"/>
+                    </a:solidFill>
+                    <a:latin typeface="Arial" panose="020B0604020202020204" pitchFamily="34" charset="0"/>
+                    <a:cs typeface="Arial" panose="020B0604020202020204" pitchFamily="34" charset="0"/>
+                  </a:rPr>
+                  <a:t>( + </a:t>
+                </a:r>
+                <a:r>
+                  <a:rPr lang="en-US" altLang="zh-CN" sz="2800" b="1" dirty="0" err="1" smtClean="0">
+                    <a:solidFill>
+                      <a:srgbClr val="C00000"/>
+                    </a:solidFill>
+                    <a:latin typeface="Arial" panose="020B0604020202020204" pitchFamily="34" charset="0"/>
+                    <a:cs typeface="Arial" panose="020B0604020202020204" pitchFamily="34" charset="0"/>
+                  </a:rPr>
+                  <a:t>PolyA</a:t>
+                </a:r>
+                <a:r>
+                  <a:rPr lang="en-US" altLang="zh-CN" sz="2800" b="1" dirty="0" smtClean="0">
+                    <a:solidFill>
+                      <a:srgbClr val="C00000"/>
+                    </a:solidFill>
+                    <a:latin typeface="Arial" panose="020B0604020202020204" pitchFamily="34" charset="0"/>
+                    <a:cs typeface="Arial" panose="020B0604020202020204" pitchFamily="34" charset="0"/>
+                  </a:rPr>
+                  <a:t> )</a:t>
+                </a:r>
+                <a:endParaRPr lang="zh-CN" altLang="en-US" sz="2800" b="1" dirty="0">
+                  <a:solidFill>
+                    <a:srgbClr val="C00000"/>
+                  </a:solidFill>
+                  <a:latin typeface="Arial" panose="020B0604020202020204" pitchFamily="34" charset="0"/>
+                  <a:cs typeface="Arial" panose="020B0604020202020204" pitchFamily="34" charset="0"/>
+                </a:endParaRPr>
+              </a:p>
+            </p:txBody>
+          </p:sp>
+          <p:sp>
+            <p:nvSpPr>
+              <p:cNvPr id="59" name="矩形 58"/>
+              <p:cNvSpPr/>
+              <p:nvPr/>
+            </p:nvSpPr>
+            <p:spPr>
+              <a:xfrm>
+                <a:off x="2655387" y="5084413"/>
+                <a:ext cx="523571" cy="523220"/>
+              </a:xfrm>
+              <a:prstGeom prst="rect">
+                <a:avLst/>
+              </a:prstGeom>
+            </p:spPr>
+            <p:txBody>
+              <a:bodyPr wrap="none">
+                <a:spAutoFit/>
+              </a:bodyPr>
+              <a:lstStyle/>
+              <a:p>
+                <a:r>
+                  <a:rPr lang="en-US" altLang="zh-CN" sz="2800" b="1" dirty="0" smtClean="0">
+                    <a:solidFill>
+                      <a:srgbClr val="C00000"/>
+                    </a:solidFill>
+                    <a:latin typeface="Arial" panose="020B0604020202020204" pitchFamily="34" charset="0"/>
+                    <a:cs typeface="Arial" panose="020B0604020202020204" pitchFamily="34" charset="0"/>
+                  </a:rPr>
+                  <a:t>R1: </a:t>
+                </a:r>
+                <a:endParaRPr lang="zh-CN" altLang="en-US" sz="2800" dirty="0">
+                  <a:solidFill>
+                    <a:srgbClr val="C00000"/>
+                  </a:solidFill>
+                </a:endParaRPr>
+              </a:p>
+            </p:txBody>
+          </p:sp>
+        </p:grpSp>
+        <p:sp>
+          <p:nvSpPr>
+            <p:cNvPr id="60" name="文本框 59"/>
+            <p:cNvSpPr txBox="1"/>
+            <p:nvPr/>
+          </p:nvSpPr>
+          <p:spPr>
+            <a:xfrm>
+              <a:off x="4255471" y="5064992"/>
+              <a:ext cx="1598935" cy="523220"/>
+            </a:xfrm>
+            <a:prstGeom prst="rect">
+              <a:avLst/>
+            </a:prstGeom>
+            <a:noFill/>
+          </p:spPr>
+          <p:txBody>
+            <a:bodyPr wrap="square" rtlCol="0">
+              <a:spAutoFit/>
+            </a:bodyPr>
+            <a:lstStyle/>
+            <a:p>
+              <a:r>
+                <a:rPr lang="en-US" altLang="zh-CN" sz="2800" b="1" dirty="0" smtClean="0">
+                  <a:solidFill>
+                    <a:srgbClr val="C00000"/>
+                  </a:solidFill>
+                  <a:latin typeface="Arial" panose="020B0604020202020204" pitchFamily="34" charset="0"/>
+                  <a:cs typeface="Arial" panose="020B0604020202020204" pitchFamily="34" charset="0"/>
+                </a:rPr>
+                <a:t>( TSO + )</a:t>
+              </a:r>
+              <a:endParaRPr lang="zh-CN" altLang="en-US" sz="2800" b="1" dirty="0">
+                <a:solidFill>
+                  <a:srgbClr val="C00000"/>
+                </a:solidFill>
+                <a:latin typeface="Arial" panose="020B0604020202020204" pitchFamily="34" charset="0"/>
+                <a:cs typeface="Arial" panose="020B0604020202020204" pitchFamily="34" charset="0"/>
+              </a:endParaRPr>
+            </a:p>
+          </p:txBody>
+        </p:sp>
+      </p:grpSp>
+    </p:spTree>
+    <p:extLst>
+      <p:ext uri="{BB962C8B-B14F-4D97-AF65-F5344CB8AC3E}">
+        <p14:creationId xmlns:p14="http://schemas.microsoft.com/office/powerpoint/2010/main" val="1533560332"/>
+      </p:ext>
+    </p:extLst>
+  </p:cSld>
+  <p:clrMapOvr>
+    <a:masterClrMapping/>
+  </p:clrMapOvr>
+  <mc:AlternateContent xmlns:mc="http://schemas.openxmlformats.org/markup-compatibility/2006" xmlns:p14="http://schemas.microsoft.com/office/powerpoint/2010/main">
+    <mc:Choice Requires="p14">
+      <p:transition spd="med" p14:dur="700">
+        <p:fade/>
+      </p:transition>
+    </mc:Choice>
+    <mc:Fallback xmlns="">
+      <p:transition spd="med">
+        <p:fade/>
+      </p:transition>
+    </mc:Fallback>
+  </mc:AlternateContent>
+  <p:timing>
+    <p:tnLst>
+      <p:par>
+        <p:cTn id="1" dur="indefinite" restart="never" nodeType="tmRoot">
+          <p:childTnLst>
+            <p:seq concurrent="1" nextAc="seek">
+              <p:cTn id="2" dur="indefinite" nodeType="mainSeq">
+                <p:childTnLst>
+                  <p:par>
+                    <p:cTn id="3" fill="hold">
+                      <p:stCondLst>
+                        <p:cond delay="indefinite"/>
+                      </p:stCondLst>
+                      <p:childTnLst>
+                        <p:par>
+                          <p:cTn id="4" fill="hold">
+                            <p:stCondLst>
+                              <p:cond delay="0"/>
+                            </p:stCondLst>
+                            <p:childTnLst>
+                              <p:par>
+                                <p:cTn id="5" presetID="10" presetClass="entr" presetSubtype="0" fill="hold" nodeType="clickEffect">
+                                  <p:stCondLst>
+                                    <p:cond delay="0"/>
+                                  </p:stCondLst>
+                                  <p:childTnLst>
+                                    <p:set>
+                                      <p:cBhvr>
+                                        <p:cTn id="6" dur="1" fill="hold">
+                                          <p:stCondLst>
+                                            <p:cond delay="0"/>
+                                          </p:stCondLst>
+                                        </p:cTn>
+                                        <p:tgtEl>
+                                          <p:spTgt spid="5"/>
+                                        </p:tgtEl>
+                                        <p:attrNameLst>
+                                          <p:attrName>style.visibility</p:attrName>
+                                        </p:attrNameLst>
+                                      </p:cBhvr>
+                                      <p:to>
+                                        <p:strVal val="visible"/>
+                                      </p:to>
+                                    </p:set>
+                                    <p:animEffect transition="in" filter="fade">
+                                      <p:cBhvr>
+                                        <p:cTn id="7" dur="500"/>
+                                        <p:tgtEl>
+                                          <p:spTgt spid="5"/>
+                                        </p:tgtEl>
+                                      </p:cBhvr>
+                                    </p:animEffect>
+                                  </p:childTnLst>
+                                </p:cTn>
+                              </p:par>
+                            </p:childTnLst>
+                          </p:cTn>
+                        </p:par>
+                      </p:childTnLst>
+                    </p:cTn>
+                  </p:par>
+                </p:childTnLst>
+              </p:cTn>
+              <p:prevCondLst>
+                <p:cond evt="onPrev" delay="0">
+                  <p:tgtEl>
+                    <p:sldTgt/>
+                  </p:tgtEl>
+                </p:cond>
+              </p:prevCondLst>
+              <p:nextCondLst>
+                <p:cond evt="onNext" delay="0">
+                  <p:tgtEl>
+                    <p:sldTgt/>
+                  </p:tgtEl>
+                </p:cond>
+              </p:nextCondLst>
+            </p:seq>
+          </p:childTnLst>
+        </p:cTn>
+      </p:par>
+    </p:tnLst>
+  </p:timing>
+</p:sld>
+</file>
+
+<file path=ppt/slides/slide2.xml><?xml version="1.0" encoding="utf-8"?>
 <p:sld xmlns:a="http://schemas.openxmlformats.org/drawingml/2006/main" xmlns:r="http://schemas.openxmlformats.org/officeDocument/2006/relationships" xmlns:p="http://schemas.openxmlformats.org/presentationml/2006/main">
   <p:cSld>
     <p:spTree>
@@ -4747,18 +5903,7 @@
                 <a:cs typeface="Times New Roman" panose="02020603050405020304" pitchFamily="18" charset="0"/>
                 <a:sym typeface="+mn-lt"/>
               </a:rPr>
-              <a:t>Libraries based (including</a:t>
-            </a:r>
-            <a:r>
-              <a:rPr lang="en-US" altLang="zh-CN" sz="2800" b="1" dirty="0" smtClean="0">
-                <a:solidFill>
-                  <a:srgbClr val="FF0000"/>
-                </a:solidFill>
-                <a:latin typeface="Times New Roman" panose="02020603050405020304" pitchFamily="18" charset="0"/>
-                <a:cs typeface="Times New Roman" panose="02020603050405020304" pitchFamily="18" charset="0"/>
-                <a:sym typeface="+mn-lt"/>
-              </a:rPr>
-              <a:t> multiple cells)</a:t>
+              <a:t>Libraries based (including multiple cells)</a:t>
             </a:r>
             <a:endParaRPr lang="tr-TR" sz="2800" b="1" dirty="0">
               <a:solidFill>
@@ -4791,7 +5936,7 @@
 </p:sld>
 </file>
 
-<file path=ppt/slides/slide2.xml><?xml version="1.0" encoding="utf-8"?>
+<file path=ppt/slides/slide3.xml><?xml version="1.0" encoding="utf-8"?>
 <p:sld xmlns:a="http://schemas.openxmlformats.org/drawingml/2006/main" xmlns:r="http://schemas.openxmlformats.org/officeDocument/2006/relationships" xmlns:p="http://schemas.openxmlformats.org/presentationml/2006/main">
   <p:cSld>
     <p:spTree>
@@ -4918,14 +6063,7 @@
                 <a:latin typeface="Times New Roman" panose="02020603050405020304" pitchFamily="18" charset="0"/>
                 <a:cs typeface="Times New Roman" panose="02020603050405020304" pitchFamily="18" charset="0"/>
               </a:rPr>
-              <a:t>1. STAR index </a:t>
-            </a:r>
-            <a:r>
-              <a:rPr lang="en-US" altLang="zh-CN" dirty="0" smtClean="0">
-                <a:latin typeface="Times New Roman" panose="02020603050405020304" pitchFamily="18" charset="0"/>
-                <a:cs typeface="Times New Roman" panose="02020603050405020304" pitchFamily="18" charset="0"/>
-              </a:rPr>
-              <a:t>(I used the Ensemble</a:t>
+              <a:t>1. STAR index (I used the Ensemble</a:t>
             </a:r>
             <a:r>
               <a:rPr lang="zh-CN" altLang="en-US" dirty="0" smtClean="0">
@@ -4939,14 +6077,7 @@
                 <a:latin typeface="Times New Roman" panose="02020603050405020304" pitchFamily="18" charset="0"/>
                 <a:cs typeface="Times New Roman" panose="02020603050405020304" pitchFamily="18" charset="0"/>
               </a:rPr>
-              <a:t>GRC</a:t>
-            </a:r>
-            <a:r>
-              <a:rPr lang="en-US" altLang="zh-CN" dirty="0" smtClean="0">
-                <a:latin typeface="Times New Roman" panose="02020603050405020304" pitchFamily="18" charset="0"/>
-                <a:cs typeface="Times New Roman" panose="02020603050405020304" pitchFamily="18" charset="0"/>
-              </a:rPr>
-              <a:t>h38), not provided</a:t>
+              <a:t>GRCh38), not provided</a:t>
             </a:r>
             <a:endParaRPr lang="zh-CN" altLang="en-US" dirty="0">
               <a:latin typeface="Times New Roman" panose="02020603050405020304" pitchFamily="18" charset="0"/>
@@ -5158,21 +6289,7 @@
                 <a:latin typeface="Times New Roman" panose="02020603050405020304" pitchFamily="18" charset="0"/>
                 <a:cs typeface="Times New Roman" panose="02020603050405020304" pitchFamily="18" charset="0"/>
               </a:rPr>
-              <a:t>3. Trim </a:t>
-            </a:r>
-            <a:r>
-              <a:rPr lang="en-US" altLang="zh-CN" dirty="0" smtClean="0">
-                <a:latin typeface="Times New Roman" panose="02020603050405020304" pitchFamily="18" charset="0"/>
-                <a:cs typeface="Times New Roman" panose="02020603050405020304" pitchFamily="18" charset="0"/>
-              </a:rPr>
-              <a:t>script</a:t>
-            </a:r>
-            <a:r>
-              <a:rPr lang="en-US" altLang="zh-CN" dirty="0" smtClean="0">
-                <a:latin typeface="Times New Roman" panose="02020603050405020304" pitchFamily="18" charset="0"/>
-                <a:cs typeface="Times New Roman" panose="02020603050405020304" pitchFamily="18" charset="0"/>
-              </a:rPr>
-              <a:t>, provided</a:t>
+              <a:t>3. Trim script, provided</a:t>
             </a:r>
             <a:endParaRPr lang="zh-CN" altLang="en-US" dirty="0">
               <a:latin typeface="Times New Roman" panose="02020603050405020304" pitchFamily="18" charset="0"/>
@@ -5248,14 +6365,7 @@
                 <a:latin typeface="Times New Roman" panose="02020603050405020304" pitchFamily="18" charset="0"/>
                 <a:cs typeface="Times New Roman" panose="02020603050405020304" pitchFamily="18" charset="0"/>
               </a:rPr>
-              <a:t>. </a:t>
-            </a:r>
-            <a:r>
-              <a:rPr lang="en-US" altLang="zh-CN" dirty="0" smtClean="0">
-                <a:latin typeface="Times New Roman" panose="02020603050405020304" pitchFamily="18" charset="0"/>
-                <a:cs typeface="Times New Roman" panose="02020603050405020304" pitchFamily="18" charset="0"/>
-              </a:rPr>
-              <a:t>Normalize the expression, provided</a:t>
+              <a:t>. Normalize the expression, provided</a:t>
             </a:r>
             <a:endParaRPr lang="zh-CN" altLang="en-US" dirty="0">
               <a:latin typeface="Times New Roman" panose="02020603050405020304" pitchFamily="18" charset="0"/>
@@ -5365,14 +6475,7 @@
                 <a:latin typeface="Times New Roman" panose="02020603050405020304" pitchFamily="18" charset="0"/>
                 <a:cs typeface="Times New Roman" panose="02020603050405020304" pitchFamily="18" charset="0"/>
               </a:rPr>
-              <a:t>5. </a:t>
-            </a:r>
-            <a:r>
-              <a:rPr lang="en-US" altLang="zh-CN" dirty="0" smtClean="0">
-                <a:latin typeface="Times New Roman" panose="02020603050405020304" pitchFamily="18" charset="0"/>
-                <a:cs typeface="Times New Roman" panose="02020603050405020304" pitchFamily="18" charset="0"/>
-              </a:rPr>
-              <a:t>Needed </a:t>
+              <a:t>5. Needed </a:t>
             </a:r>
             <a:r>
               <a:rPr lang="en-US" altLang="zh-CN" dirty="0" err="1" smtClean="0">
@@ -5450,7 +6553,7 @@
 </p:sld>
 </file>
 
-<file path=ppt/slides/slide3.xml><?xml version="1.0" encoding="utf-8"?>
+<file path=ppt/slides/slide4.xml><?xml version="1.0" encoding="utf-8"?>
 <p:sld xmlns:a="http://schemas.openxmlformats.org/drawingml/2006/main" xmlns:r="http://schemas.openxmlformats.org/officeDocument/2006/relationships" xmlns:p="http://schemas.openxmlformats.org/presentationml/2006/main">
   <p:cSld>
     <p:spTree>
@@ -5645,7 +6748,7 @@
 </p:sld>
 </file>
 
-<file path=ppt/slides/slide4.xml><?xml version="1.0" encoding="utf-8"?>
+<file path=ppt/slides/slide5.xml><?xml version="1.0" encoding="utf-8"?>
 <p:sld xmlns:a="http://schemas.openxmlformats.org/drawingml/2006/main" xmlns:r="http://schemas.openxmlformats.org/officeDocument/2006/relationships" xmlns:p="http://schemas.openxmlformats.org/presentationml/2006/main">
   <p:cSld>
     <p:spTree>
@@ -6197,7 +7300,7 @@
 </p:sld>
 </file>
 
-<file path=ppt/slides/slide5.xml><?xml version="1.0" encoding="utf-8"?>
+<file path=ppt/slides/slide6.xml><?xml version="1.0" encoding="utf-8"?>
 <p:sld xmlns:a="http://schemas.openxmlformats.org/drawingml/2006/main" xmlns:r="http://schemas.openxmlformats.org/officeDocument/2006/relationships" xmlns:p="http://schemas.openxmlformats.org/presentationml/2006/main">
   <p:cSld>
     <p:spTree>
@@ -6377,7 +7480,7 @@
 </p:sld>
 </file>
 
-<file path=ppt/slides/slide6.xml><?xml version="1.0" encoding="utf-8"?>
+<file path=ppt/slides/slide7.xml><?xml version="1.0" encoding="utf-8"?>
 <p:sld xmlns:a="http://schemas.openxmlformats.org/drawingml/2006/main" xmlns:r="http://schemas.openxmlformats.org/officeDocument/2006/relationships" xmlns:p="http://schemas.openxmlformats.org/presentationml/2006/main">
   <p:cSld>
     <p:spTree>
@@ -6540,7 +7643,7 @@
 </p:sld>
 </file>
 
-<file path=ppt/slides/slide7.xml><?xml version="1.0" encoding="utf-8"?>
+<file path=ppt/slides/slide8.xml><?xml version="1.0" encoding="utf-8"?>
 <p:sld xmlns:a="http://schemas.openxmlformats.org/drawingml/2006/main" xmlns:r="http://schemas.openxmlformats.org/officeDocument/2006/relationships" xmlns:p="http://schemas.openxmlformats.org/presentationml/2006/main">
   <p:cSld>
     <p:spTree>
@@ -6676,27 +7779,7 @@
                 <a:latin typeface="Times New Roman" panose="02020603050405020304" pitchFamily="18" charset="0"/>
                 <a:cs typeface="Times New Roman" panose="02020603050405020304" pitchFamily="18" charset="0"/>
               </a:rPr>
-              <a:t> </a:t>
-            </a:r>
-            <a:r>
-              <a:rPr lang="en-US" altLang="zh-CN" b="1" dirty="0" smtClean="0">
-                <a:solidFill>
-                  <a:srgbClr val="FF0000"/>
-                </a:solidFill>
-                <a:latin typeface="Times New Roman" panose="02020603050405020304" pitchFamily="18" charset="0"/>
-                <a:cs typeface="Times New Roman" panose="02020603050405020304" pitchFamily="18" charset="0"/>
-              </a:rPr>
-              <a:t>scRNA_all_in_one_hg38.sh </a:t>
-            </a:r>
-            <a:r>
-              <a:rPr lang="en-US" altLang="zh-CN" b="1" dirty="0" smtClean="0">
-                <a:solidFill>
-                  <a:srgbClr val="FF0000"/>
-                </a:solidFill>
-                <a:latin typeface="Times New Roman" panose="02020603050405020304" pitchFamily="18" charset="0"/>
-                <a:cs typeface="Times New Roman" panose="02020603050405020304" pitchFamily="18" charset="0"/>
-              </a:rPr>
-              <a:t>F_10_embryo1 &amp;</a:t>
+              <a:t> scRNA_all_in_one_hg38.sh F_10_embryo1 &amp;</a:t>
             </a:r>
             <a:endParaRPr lang="zh-CN" altLang="en-US" b="1" dirty="0">
               <a:solidFill>
@@ -6871,7 +7954,7 @@
 </p:sld>
 </file>
 
-<file path=ppt/slides/slide8.xml><?xml version="1.0" encoding="utf-8"?>
+<file path=ppt/slides/slide9.xml><?xml version="1.0" encoding="utf-8"?>
 <p:sld xmlns:a="http://schemas.openxmlformats.org/drawingml/2006/main" xmlns:r="http://schemas.openxmlformats.org/officeDocument/2006/relationships" xmlns:p="http://schemas.openxmlformats.org/presentationml/2006/main">
   <p:cSld>
     <p:spTree>

--- a/scRNA-seq_pipeline_hg38/Single-cell_RNA-seq_pipeline.pptx
+++ b/scRNA-seq_pipeline_hg38/Single-cell_RNA-seq_pipeline.pptx
@@ -251,7 +251,7 @@
           <a:p>
             <a:fld id="{2CB3F085-3EC1-49D2-A102-1A672CFF7437}" type="datetimeFigureOut">
               <a:rPr lang="zh-CN" altLang="en-US" smtClean="0"/>
-              <a:t>2019/9/26</a:t>
+              <a:t>2019/12/29</a:t>
             </a:fld>
             <a:endParaRPr lang="zh-CN" altLang="en-US"/>
           </a:p>
@@ -421,7 +421,7 @@
           <a:p>
             <a:fld id="{2CB3F085-3EC1-49D2-A102-1A672CFF7437}" type="datetimeFigureOut">
               <a:rPr lang="zh-CN" altLang="en-US" smtClean="0"/>
-              <a:t>2019/9/26</a:t>
+              <a:t>2019/12/29</a:t>
             </a:fld>
             <a:endParaRPr lang="zh-CN" altLang="en-US"/>
           </a:p>
@@ -601,7 +601,7 @@
           <a:p>
             <a:fld id="{2CB3F085-3EC1-49D2-A102-1A672CFF7437}" type="datetimeFigureOut">
               <a:rPr lang="zh-CN" altLang="en-US" smtClean="0"/>
-              <a:t>2019/9/26</a:t>
+              <a:t>2019/12/29</a:t>
             </a:fld>
             <a:endParaRPr lang="zh-CN" altLang="en-US"/>
           </a:p>
@@ -771,7 +771,7 @@
           <a:p>
             <a:fld id="{2CB3F085-3EC1-49D2-A102-1A672CFF7437}" type="datetimeFigureOut">
               <a:rPr lang="zh-CN" altLang="en-US" smtClean="0"/>
-              <a:t>2019/9/26</a:t>
+              <a:t>2019/12/29</a:t>
             </a:fld>
             <a:endParaRPr lang="zh-CN" altLang="en-US"/>
           </a:p>
@@ -1017,7 +1017,7 @@
           <a:p>
             <a:fld id="{2CB3F085-3EC1-49D2-A102-1A672CFF7437}" type="datetimeFigureOut">
               <a:rPr lang="zh-CN" altLang="en-US" smtClean="0"/>
-              <a:t>2019/9/26</a:t>
+              <a:t>2019/12/29</a:t>
             </a:fld>
             <a:endParaRPr lang="zh-CN" altLang="en-US"/>
           </a:p>
@@ -1249,7 +1249,7 @@
           <a:p>
             <a:fld id="{2CB3F085-3EC1-49D2-A102-1A672CFF7437}" type="datetimeFigureOut">
               <a:rPr lang="zh-CN" altLang="en-US" smtClean="0"/>
-              <a:t>2019/9/26</a:t>
+              <a:t>2019/12/29</a:t>
             </a:fld>
             <a:endParaRPr lang="zh-CN" altLang="en-US"/>
           </a:p>
@@ -1616,7 +1616,7 @@
           <a:p>
             <a:fld id="{2CB3F085-3EC1-49D2-A102-1A672CFF7437}" type="datetimeFigureOut">
               <a:rPr lang="zh-CN" altLang="en-US" smtClean="0"/>
-              <a:t>2019/9/26</a:t>
+              <a:t>2019/12/29</a:t>
             </a:fld>
             <a:endParaRPr lang="zh-CN" altLang="en-US"/>
           </a:p>
@@ -1734,7 +1734,7 @@
           <a:p>
             <a:fld id="{2CB3F085-3EC1-49D2-A102-1A672CFF7437}" type="datetimeFigureOut">
               <a:rPr lang="zh-CN" altLang="en-US" smtClean="0"/>
-              <a:t>2019/9/26</a:t>
+              <a:t>2019/12/29</a:t>
             </a:fld>
             <a:endParaRPr lang="zh-CN" altLang="en-US"/>
           </a:p>
@@ -1829,7 +1829,7 @@
           <a:p>
             <a:fld id="{2CB3F085-3EC1-49D2-A102-1A672CFF7437}" type="datetimeFigureOut">
               <a:rPr lang="zh-CN" altLang="en-US" smtClean="0"/>
-              <a:t>2019/9/26</a:t>
+              <a:t>2019/12/29</a:t>
             </a:fld>
             <a:endParaRPr lang="zh-CN" altLang="en-US"/>
           </a:p>
@@ -2106,7 +2106,7 @@
           <a:p>
             <a:fld id="{2CB3F085-3EC1-49D2-A102-1A672CFF7437}" type="datetimeFigureOut">
               <a:rPr lang="zh-CN" altLang="en-US" smtClean="0"/>
-              <a:t>2019/9/26</a:t>
+              <a:t>2019/12/29</a:t>
             </a:fld>
             <a:endParaRPr lang="zh-CN" altLang="en-US"/>
           </a:p>
@@ -2359,7 +2359,7 @@
           <a:p>
             <a:fld id="{2CB3F085-3EC1-49D2-A102-1A672CFF7437}" type="datetimeFigureOut">
               <a:rPr lang="zh-CN" altLang="en-US" smtClean="0"/>
-              <a:t>2019/9/26</a:t>
+              <a:t>2019/12/29</a:t>
             </a:fld>
             <a:endParaRPr lang="zh-CN" altLang="en-US"/>
           </a:p>
@@ -2572,7 +2572,7 @@
           <a:p>
             <a:fld id="{2CB3F085-3EC1-49D2-A102-1A672CFF7437}" type="datetimeFigureOut">
               <a:rPr lang="zh-CN" altLang="en-US" smtClean="0"/>
-              <a:t>2019/9/26</a:t>
+              <a:t>2019/12/29</a:t>
             </a:fld>
             <a:endParaRPr lang="zh-CN" altLang="en-US"/>
           </a:p>
@@ -3272,7 +3272,14 @@
                   <a:latin typeface="Arial" panose="020B0604020202020204" pitchFamily="34" charset="0"/>
                   <a:cs typeface="Arial" panose="020B0604020202020204" pitchFamily="34" charset="0"/>
                 </a:rPr>
-                <a:t>Barcode (8BP)</a:t>
+                <a:t>Barcode (</a:t>
+              </a:r>
+              <a:r>
+                <a:rPr lang="en-US" altLang="zh-CN" sz="1600" b="1" dirty="0" smtClean="0">
+                  <a:latin typeface="Arial" panose="020B0604020202020204" pitchFamily="34" charset="0"/>
+                  <a:cs typeface="Arial" panose="020B0604020202020204" pitchFamily="34" charset="0"/>
+                </a:rPr>
+                <a:t>8bp)</a:t>
               </a:r>
               <a:endParaRPr lang="zh-CN" altLang="en-US" sz="1600" b="1" dirty="0">
                 <a:latin typeface="Arial" panose="020B0604020202020204" pitchFamily="34" charset="0"/>
@@ -3289,7 +3296,7 @@
           </p:nvSpPr>
           <p:spPr>
             <a:xfrm>
-              <a:off x="6559089" y="3598890"/>
+              <a:off x="6705139" y="3598890"/>
               <a:ext cx="1125752" cy="338554"/>
             </a:xfrm>
             <a:prstGeom prst="rect">
@@ -4007,6 +4014,42 @@
           </p:txBody>
         </p:sp>
       </p:grpSp>
+      <p:sp>
+        <p:nvSpPr>
+          <p:cNvPr id="35" name="文本框 34"/>
+          <p:cNvSpPr txBox="1"/>
+          <p:nvPr/>
+        </p:nvSpPr>
+        <p:spPr>
+          <a:xfrm>
+            <a:off x="5066475" y="1967057"/>
+            <a:ext cx="840217" cy="338554"/>
+          </a:xfrm>
+          <a:prstGeom prst="rect">
+            <a:avLst/>
+          </a:prstGeom>
+          <a:noFill/>
+        </p:spPr>
+        <p:txBody>
+          <a:bodyPr wrap="square" rtlCol="0">
+            <a:spAutoFit/>
+          </a:bodyPr>
+          <a:lstStyle/>
+          <a:p>
+            <a:r>
+              <a:rPr lang="en-US" altLang="zh-CN" sz="1600" b="1" dirty="0" smtClean="0">
+                <a:latin typeface="Arial" panose="020B0604020202020204" pitchFamily="34" charset="0"/>
+                <a:cs typeface="Arial" panose="020B0604020202020204" pitchFamily="34" charset="0"/>
+              </a:rPr>
+              <a:t>mRNA</a:t>
+            </a:r>
+            <a:endParaRPr lang="zh-CN" altLang="en-US" sz="1600" b="1" dirty="0">
+              <a:latin typeface="Arial" panose="020B0604020202020204" pitchFamily="34" charset="0"/>
+              <a:cs typeface="Arial" panose="020B0604020202020204" pitchFamily="34" charset="0"/>
+            </a:endParaRPr>
+          </a:p>
+        </p:txBody>
+      </p:sp>
     </p:spTree>
     <p:extLst>
       <p:ext uri="{BB962C8B-B14F-4D97-AF65-F5344CB8AC3E}">
